--- a/Intro2ResSim/WaterOil2PhaseFlow_Distribution.pptx
+++ b/Intro2ResSim/WaterOil2PhaseFlow_Distribution.pptx
@@ -159,9 +159,82 @@
 <file path=ppt/revisionInfo.xml><?xml version="1.0" encoding="utf-8"?>
 <p1510:revInfo xmlns:a="http://schemas.openxmlformats.org/drawingml/2006/main" xmlns:r="http://schemas.openxmlformats.org/officeDocument/2006/relationships" xmlns:p1510="http://schemas.microsoft.com/office/powerpoint/2015/10/main">
   <p1510:revLst>
+    <p1510:client id="{016AEB6B-32BB-4C9B-91D5-C357E7676896}" v="3" dt="2022-11-02T15:53:16.655"/>
     <p1510:client id="{A80CA7C7-D351-44F3-83D3-E57C27514004}" v="10" dt="2022-11-02T12:03:45.728"/>
   </p1510:revLst>
 </p1510:revInfo>
+</file>
+
+<file path=ppt/changesInfos/changesInfo1.xml><?xml version="1.0" encoding="utf-8"?>
+<pc:chgInfo xmlns:a="http://schemas.openxmlformats.org/drawingml/2006/main" xmlns:r="http://schemas.openxmlformats.org/officeDocument/2006/relationships" xmlns:ac="http://schemas.microsoft.com/office/drawing/2013/main/command" xmlns:pc="http://schemas.microsoft.com/office/powerpoint/2013/main/command">
+  <pc:docChgLst>
+    <pc:chgData name="hirose taichi" userId="ed2dc4b0-8795-4813-ada8-f41a239e7d7d" providerId="ADAL" clId="{016AEB6B-32BB-4C9B-91D5-C357E7676896}"/>
+    <pc:docChg chg="modSld">
+      <pc:chgData name="hirose taichi" userId="ed2dc4b0-8795-4813-ada8-f41a239e7d7d" providerId="ADAL" clId="{016AEB6B-32BB-4C9B-91D5-C357E7676896}" dt="2022-11-02T15:53:16.655" v="10"/>
+      <pc:docMkLst>
+        <pc:docMk/>
+      </pc:docMkLst>
+      <pc:sldChg chg="modSp mod">
+        <pc:chgData name="hirose taichi" userId="ed2dc4b0-8795-4813-ada8-f41a239e7d7d" providerId="ADAL" clId="{016AEB6B-32BB-4C9B-91D5-C357E7676896}" dt="2022-11-02T15:53:16.655" v="10"/>
+        <pc:sldMkLst>
+          <pc:docMk/>
+          <pc:sldMk cId="1300278304" sldId="411"/>
+        </pc:sldMkLst>
+        <pc:spChg chg="mod">
+          <ac:chgData name="hirose taichi" userId="ed2dc4b0-8795-4813-ada8-f41a239e7d7d" providerId="ADAL" clId="{016AEB6B-32BB-4C9B-91D5-C357E7676896}" dt="2022-11-02T15:53:16.655" v="10"/>
+          <ac:spMkLst>
+            <pc:docMk/>
+            <pc:sldMk cId="1300278304" sldId="411"/>
+            <ac:spMk id="2" creationId="{28183F7D-BF66-4F5A-A51C-F4F5EA15673B}"/>
+          </ac:spMkLst>
+        </pc:spChg>
+      </pc:sldChg>
+      <pc:sldChg chg="modNotesTx">
+        <pc:chgData name="hirose taichi" userId="ed2dc4b0-8795-4813-ada8-f41a239e7d7d" providerId="ADAL" clId="{016AEB6B-32BB-4C9B-91D5-C357E7676896}" dt="2022-11-02T15:52:24.280" v="5" actId="20577"/>
+        <pc:sldMkLst>
+          <pc:docMk/>
+          <pc:sldMk cId="282841257" sldId="412"/>
+        </pc:sldMkLst>
+      </pc:sldChg>
+      <pc:sldChg chg="modNotesTx">
+        <pc:chgData name="hirose taichi" userId="ed2dc4b0-8795-4813-ada8-f41a239e7d7d" providerId="ADAL" clId="{016AEB6B-32BB-4C9B-91D5-C357E7676896}" dt="2022-11-02T15:52:11.292" v="1" actId="20577"/>
+        <pc:sldMkLst>
+          <pc:docMk/>
+          <pc:sldMk cId="4247633511" sldId="415"/>
+        </pc:sldMkLst>
+      </pc:sldChg>
+      <pc:sldChg chg="modNotesTx">
+        <pc:chgData name="hirose taichi" userId="ed2dc4b0-8795-4813-ada8-f41a239e7d7d" providerId="ADAL" clId="{016AEB6B-32BB-4C9B-91D5-C357E7676896}" dt="2022-11-02T15:52:16.874" v="2" actId="20577"/>
+        <pc:sldMkLst>
+          <pc:docMk/>
+          <pc:sldMk cId="607085936" sldId="416"/>
+        </pc:sldMkLst>
+      </pc:sldChg>
+      <pc:sldChg chg="modNotesTx">
+        <pc:chgData name="hirose taichi" userId="ed2dc4b0-8795-4813-ada8-f41a239e7d7d" providerId="ADAL" clId="{016AEB6B-32BB-4C9B-91D5-C357E7676896}" dt="2022-11-02T15:52:20.209" v="3" actId="20577"/>
+        <pc:sldMkLst>
+          <pc:docMk/>
+          <pc:sldMk cId="3798514748" sldId="418"/>
+        </pc:sldMkLst>
+      </pc:sldChg>
+      <pc:sldChg chg="modSp mod">
+        <pc:chgData name="hirose taichi" userId="ed2dc4b0-8795-4813-ada8-f41a239e7d7d" providerId="ADAL" clId="{016AEB6B-32BB-4C9B-91D5-C357E7676896}" dt="2022-11-02T15:52:44.701" v="6" actId="207"/>
+        <pc:sldMkLst>
+          <pc:docMk/>
+          <pc:sldMk cId="3145032794" sldId="435"/>
+        </pc:sldMkLst>
+        <pc:spChg chg="mod">
+          <ac:chgData name="hirose taichi" userId="ed2dc4b0-8795-4813-ada8-f41a239e7d7d" providerId="ADAL" clId="{016AEB6B-32BB-4C9B-91D5-C357E7676896}" dt="2022-11-02T15:52:44.701" v="6" actId="207"/>
+          <ac:spMkLst>
+            <pc:docMk/>
+            <pc:sldMk cId="3145032794" sldId="435"/>
+            <ac:spMk id="2" creationId="{638A530A-2BB6-46FE-B08A-8F41692B083E}"/>
+          </ac:spMkLst>
+        </pc:spChg>
+      </pc:sldChg>
+    </pc:docChg>
+  </pc:docChgLst>
+</pc:chgInfo>
 </file>
 
 <file path=ppt/notesMasters/notesMaster1.xml><?xml version="1.0" encoding="utf-8"?>
@@ -246,7 +319,7 @@
           <a:p>
             <a:fld id="{5186C602-ADD5-904C-8024-0435CAED47E2}" type="datetimeFigureOut">
               <a:rPr kumimoji="1" lang="ja-JP" altLang="en-US" smtClean="0"/>
-              <a:t>2022/11/2</a:t>
+              <a:t>2022/11/3</a:t>
             </a:fld>
             <a:endParaRPr kumimoji="1" lang="ja-JP" altLang="en-US"/>
           </a:p>
@@ -1404,10 +1477,10 @@
           <a:bodyPr/>
           <a:lstStyle/>
           <a:p>
-            <a:r>
-              <a:rPr kumimoji="1" lang="ja-JP" altLang="en-US" dirty="0"/>
-              <a:t>貯留層のほうが圧力が高いので，貯留層から地表に圧力を持ってくると，膨張</a:t>
-            </a:r>
+            <a:endParaRPr kumimoji="1" lang="en-US" altLang="ja-JP" dirty="0"/>
+          </a:p>
+          <a:p>
+            <a:endParaRPr kumimoji="1" lang="ja-JP" altLang="en-US" dirty="0"/>
           </a:p>
         </p:txBody>
       </p:sp>
@@ -1491,10 +1564,7 @@
           <a:bodyPr/>
           <a:lstStyle/>
           <a:p>
-            <a:r>
-              <a:rPr kumimoji="1" lang="ja-JP" altLang="en-US" dirty="0"/>
-              <a:t>貯留層のほうが圧力が高いので，貯留層から地表に圧力を持ってくると，膨張</a:t>
-            </a:r>
+            <a:endParaRPr kumimoji="1" lang="ja-JP" altLang="en-US" dirty="0"/>
           </a:p>
         </p:txBody>
       </p:sp>
@@ -1578,10 +1648,7 @@
           <a:bodyPr/>
           <a:lstStyle/>
           <a:p>
-            <a:r>
-              <a:rPr kumimoji="1" lang="ja-JP" altLang="en-US" dirty="0"/>
-              <a:t>貯留層のほうが圧力が高いので，貯留層から地表に圧力を持ってくると，膨張</a:t>
-            </a:r>
+            <a:endParaRPr kumimoji="1" lang="ja-JP" altLang="en-US" dirty="0"/>
           </a:p>
         </p:txBody>
       </p:sp>
@@ -1665,10 +1732,7 @@
           <a:bodyPr/>
           <a:lstStyle/>
           <a:p>
-            <a:r>
-              <a:rPr kumimoji="1" lang="ja-JP" altLang="en-US" dirty="0"/>
-              <a:t>貯留層のほうが圧力が高いので，貯留層から地表に圧力を持ってくると，膨張</a:t>
-            </a:r>
+            <a:endParaRPr kumimoji="1" lang="ja-JP" altLang="en-US" dirty="0"/>
           </a:p>
         </p:txBody>
       </p:sp>
@@ -8488,7 +8552,7 @@
             <a:r>
               <a:rPr lang="ja-JP" altLang="en-US" dirty="0">
                 <a:solidFill>
-                  <a:srgbClr val="FF0000"/>
+                  <a:srgbClr val="E55959"/>
                 </a:solidFill>
               </a:rPr>
               <a:t>半陰解法：</a:t>
@@ -8496,7 +8560,7 @@
             <a:r>
               <a:rPr lang="en-US" altLang="ja-JP" dirty="0">
                 <a:solidFill>
-                  <a:srgbClr val="FF0000"/>
+                  <a:srgbClr val="E55959"/>
                 </a:solidFill>
               </a:rPr>
               <a:t>IMEX</a:t>
@@ -8504,7 +8568,7 @@
             <a:r>
               <a:rPr lang="ja-JP" altLang="en-US" dirty="0">
                 <a:solidFill>
-                  <a:srgbClr val="FF0000"/>
+                  <a:srgbClr val="E55959"/>
                 </a:solidFill>
               </a:rPr>
               <a:t>スキーム（</a:t>
@@ -8512,7 +8576,7 @@
             <a:r>
               <a:rPr lang="en-US" altLang="ja-JP" b="1" dirty="0" err="1">
                 <a:solidFill>
-                  <a:srgbClr val="FF0000"/>
+                  <a:srgbClr val="E55959"/>
                 </a:solidFill>
               </a:rPr>
               <a:t>IM</a:t>
@@ -8520,7 +8584,7 @@
             <a:r>
               <a:rPr lang="en-US" altLang="ja-JP" dirty="0" err="1">
                 <a:solidFill>
-                  <a:srgbClr val="FF0000"/>
+                  <a:srgbClr val="E55959"/>
                 </a:solidFill>
               </a:rPr>
               <a:t>plicit</a:t>
@@ -8528,7 +8592,7 @@
             <a:r>
               <a:rPr lang="en-US" altLang="ja-JP" dirty="0">
                 <a:solidFill>
-                  <a:srgbClr val="FF0000"/>
+                  <a:srgbClr val="E55959"/>
                 </a:solidFill>
               </a:rPr>
               <a:t> </a:t>
@@ -8536,7 +8600,7 @@
             <a:r>
               <a:rPr lang="en-US" altLang="ja-JP" b="1" dirty="0" err="1">
                 <a:solidFill>
-                  <a:srgbClr val="FF0000"/>
+                  <a:srgbClr val="E55959"/>
                 </a:solidFill>
               </a:rPr>
               <a:t>EX</a:t>
@@ -8544,7 +8608,7 @@
             <a:r>
               <a:rPr lang="en-US" altLang="ja-JP" dirty="0" err="1">
                 <a:solidFill>
-                  <a:srgbClr val="FF0000"/>
+                  <a:srgbClr val="E55959"/>
                 </a:solidFill>
               </a:rPr>
               <a:t>plicit</a:t>
@@ -8552,14 +8616,14 @@
             <a:r>
               <a:rPr lang="ja-JP" altLang="en-US" dirty="0">
                 <a:solidFill>
-                  <a:srgbClr val="FF0000"/>
+                  <a:srgbClr val="E55959"/>
                 </a:solidFill>
               </a:rPr>
               <a:t>）</a:t>
             </a:r>
             <a:endParaRPr lang="en-US" altLang="ja-JP" dirty="0">
               <a:solidFill>
-                <a:srgbClr val="FF0000"/>
+                <a:srgbClr val="E55959"/>
               </a:solidFill>
             </a:endParaRPr>
           </a:p>
@@ -8572,14 +8636,14 @@
             <a:r>
               <a:rPr kumimoji="1" lang="ja-JP" altLang="en-US" dirty="0">
                 <a:solidFill>
-                  <a:srgbClr val="FF0000"/>
+                  <a:srgbClr val="E55959"/>
                 </a:solidFill>
               </a:rPr>
               <a:t>線形項を陰解法，非線形項を陽解法で離散化</a:t>
             </a:r>
             <a:endParaRPr kumimoji="1" lang="en-US" altLang="ja-JP" dirty="0">
               <a:solidFill>
-                <a:srgbClr val="FF0000"/>
+                <a:srgbClr val="E55959"/>
               </a:solidFill>
             </a:endParaRPr>
           </a:p>
@@ -8592,14 +8656,14 @@
             <a:r>
               <a:rPr kumimoji="1" lang="ja-JP" altLang="en-US" dirty="0">
                 <a:solidFill>
-                  <a:srgbClr val="FF0000"/>
+                  <a:srgbClr val="E55959"/>
                 </a:solidFill>
               </a:rPr>
               <a:t>実装（プログラミング）が容易</a:t>
             </a:r>
             <a:endParaRPr kumimoji="1" lang="en-US" altLang="ja-JP" dirty="0">
               <a:solidFill>
-                <a:srgbClr val="FF0000"/>
+                <a:srgbClr val="E55959"/>
               </a:solidFill>
             </a:endParaRPr>
           </a:p>
@@ -8612,7 +8676,7 @@
             <a:r>
               <a:rPr lang="ja-JP" altLang="en-US" dirty="0">
                 <a:solidFill>
-                  <a:srgbClr val="FF0000"/>
+                  <a:srgbClr val="E55959"/>
                 </a:solidFill>
               </a:rPr>
               <a:t>とくに油層解析では</a:t>
@@ -8620,7 +8684,7 @@
             <a:r>
               <a:rPr lang="en-US" altLang="ja-JP" dirty="0">
                 <a:solidFill>
-                  <a:srgbClr val="FF0000"/>
+                  <a:srgbClr val="E55959"/>
                 </a:solidFill>
               </a:rPr>
               <a:t>IMPES</a:t>
@@ -8628,7 +8692,7 @@
             <a:r>
               <a:rPr lang="ja-JP" altLang="en-US" dirty="0">
                 <a:solidFill>
-                  <a:srgbClr val="FF0000"/>
+                  <a:srgbClr val="E55959"/>
                 </a:solidFill>
               </a:rPr>
               <a:t>法（</a:t>
@@ -8636,7 +8700,7 @@
             <a:r>
               <a:rPr lang="en-US" altLang="ja-JP" b="1" dirty="0" err="1">
                 <a:solidFill>
-                  <a:srgbClr val="FF0000"/>
+                  <a:srgbClr val="E55959"/>
                 </a:solidFill>
               </a:rPr>
               <a:t>IM</a:t>
@@ -8644,7 +8708,7 @@
             <a:r>
               <a:rPr lang="en-US" altLang="ja-JP" dirty="0" err="1">
                 <a:solidFill>
-                  <a:srgbClr val="FF0000"/>
+                  <a:srgbClr val="E55959"/>
                 </a:solidFill>
               </a:rPr>
               <a:t>plicit</a:t>
@@ -8652,7 +8716,7 @@
             <a:r>
               <a:rPr lang="ja-JP" altLang="en-US" dirty="0">
                 <a:solidFill>
-                  <a:srgbClr val="FF0000"/>
+                  <a:srgbClr val="E55959"/>
                 </a:solidFill>
               </a:rPr>
               <a:t> </a:t>
@@ -8660,7 +8724,7 @@
             <a:r>
               <a:rPr lang="en-US" altLang="ja-JP" b="1" dirty="0">
                 <a:solidFill>
-                  <a:srgbClr val="FF0000"/>
+                  <a:srgbClr val="E55959"/>
                 </a:solidFill>
               </a:rPr>
               <a:t>P</a:t>
@@ -8668,7 +8732,7 @@
             <a:r>
               <a:rPr lang="en-US" altLang="ja-JP" dirty="0">
                 <a:solidFill>
-                  <a:srgbClr val="FF0000"/>
+                  <a:srgbClr val="E55959"/>
                 </a:solidFill>
               </a:rPr>
               <a:t>ressure,</a:t>
@@ -8676,7 +8740,7 @@
             <a:r>
               <a:rPr lang="ja-JP" altLang="en-US" dirty="0">
                 <a:solidFill>
-                  <a:srgbClr val="FF0000"/>
+                  <a:srgbClr val="E55959"/>
                 </a:solidFill>
               </a:rPr>
               <a:t> </a:t>
@@ -8684,7 +8748,7 @@
             <a:r>
               <a:rPr lang="en-US" altLang="ja-JP" b="1" dirty="0">
                 <a:solidFill>
-                  <a:srgbClr val="FF0000"/>
+                  <a:srgbClr val="E55959"/>
                 </a:solidFill>
               </a:rPr>
               <a:t>E</a:t>
@@ -8692,7 +8756,7 @@
             <a:r>
               <a:rPr lang="en-US" altLang="ja-JP" dirty="0">
                 <a:solidFill>
-                  <a:srgbClr val="FF0000"/>
+                  <a:srgbClr val="E55959"/>
                 </a:solidFill>
               </a:rPr>
               <a:t>xplicit</a:t>
@@ -8700,7 +8764,7 @@
             <a:r>
               <a:rPr lang="ja-JP" altLang="en-US" dirty="0">
                 <a:solidFill>
-                  <a:srgbClr val="FF0000"/>
+                  <a:srgbClr val="E55959"/>
                 </a:solidFill>
               </a:rPr>
               <a:t> </a:t>
@@ -8708,7 +8772,7 @@
             <a:r>
               <a:rPr lang="en-US" altLang="ja-JP" b="1" dirty="0">
                 <a:solidFill>
-                  <a:srgbClr val="FF0000"/>
+                  <a:srgbClr val="E55959"/>
                 </a:solidFill>
               </a:rPr>
               <a:t>S</a:t>
@@ -8716,7 +8780,7 @@
             <a:r>
               <a:rPr lang="en-US" altLang="ja-JP" dirty="0">
                 <a:solidFill>
-                  <a:srgbClr val="FF0000"/>
+                  <a:srgbClr val="E55959"/>
                 </a:solidFill>
               </a:rPr>
               <a:t>aturation</a:t>
@@ -8724,14 +8788,14 @@
             <a:r>
               <a:rPr lang="ja-JP" altLang="en-US" dirty="0">
                 <a:solidFill>
-                  <a:srgbClr val="FF0000"/>
+                  <a:srgbClr val="E55959"/>
                 </a:solidFill>
               </a:rPr>
               <a:t>）</a:t>
             </a:r>
             <a:endParaRPr lang="en-US" altLang="ja-JP" dirty="0">
               <a:solidFill>
-                <a:srgbClr val="FF0000"/>
+                <a:srgbClr val="E55959"/>
               </a:solidFill>
             </a:endParaRPr>
           </a:p>
@@ -11485,83 +11549,70 @@
                           </m:r>
                         </m:den>
                       </m:f>
-                      <m:d>
-                        <m:dPr>
-                          <m:begChr m:val="{"/>
-                          <m:endChr m:val="}"/>
+                      <m:sSubSup>
+                        <m:sSubSupPr>
                           <m:ctrlPr>
-                            <a:rPr lang="en-US" altLang="ja-JP" sz="2800" i="1" smtClean="0">
+                            <a:rPr lang="en-US" altLang="ja-JP" sz="2800" i="1">
                               <a:latin typeface="Cambria Math" panose="02040503050406030204" pitchFamily="18" charset="0"/>
                             </a:rPr>
                           </m:ctrlPr>
-                        </m:dPr>
+                        </m:sSubSupPr>
                         <m:e>
-                          <m:sSubSup>
-                            <m:sSubSupPr>
-                              <m:ctrlPr>
-                                <a:rPr lang="en-US" altLang="ja-JP" sz="2800" i="1" smtClean="0">
-                                  <a:latin typeface="Cambria Math" panose="02040503050406030204" pitchFamily="18" charset="0"/>
-                                </a:rPr>
-                              </m:ctrlPr>
-                            </m:sSubSupPr>
-                            <m:e>
-                              <m:r>
-                                <a:rPr lang="ja-JP" altLang="en-US" sz="2800" i="1">
-                                  <a:latin typeface="Cambria Math" panose="02040503050406030204" pitchFamily="18" charset="0"/>
-                                </a:rPr>
-                                <m:t>𝜌</m:t>
-                              </m:r>
-                            </m:e>
-                            <m:sub>
-                              <m:r>
-                                <a:rPr lang="en-US" altLang="ja-JP" sz="2800" b="0" i="1" smtClean="0">
-                                  <a:latin typeface="Cambria Math" panose="02040503050406030204" pitchFamily="18" charset="0"/>
-                                </a:rPr>
-                                <m:t>𝑜</m:t>
-                              </m:r>
-                            </m:sub>
-                            <m:sup>
-                              <m:r>
-                                <a:rPr lang="en-US" altLang="ja-JP" sz="2800" b="0" i="1" smtClean="0">
-                                  <a:latin typeface="Cambria Math" panose="02040503050406030204" pitchFamily="18" charset="0"/>
-                                </a:rPr>
-                                <m:t>𝑅𝐶</m:t>
-                              </m:r>
-                            </m:sup>
-                          </m:sSubSup>
                           <m:r>
                             <a:rPr lang="ja-JP" altLang="en-US" sz="2800" i="1">
                               <a:latin typeface="Cambria Math" panose="02040503050406030204" pitchFamily="18" charset="0"/>
                             </a:rPr>
-                            <m:t>𝜙</m:t>
+                            <m:t>𝜌</m:t>
                           </m:r>
-                          <m:sSub>
-                            <m:sSubPr>
-                              <m:ctrlPr>
-                                <a:rPr lang="en-US" altLang="ja-JP" sz="2800" i="1">
-                                  <a:latin typeface="Cambria Math" panose="02040503050406030204" pitchFamily="18" charset="0"/>
-                                </a:rPr>
-                              </m:ctrlPr>
-                            </m:sSubPr>
-                            <m:e>
-                              <m:r>
-                                <a:rPr lang="en-US" altLang="ja-JP" sz="2800" i="1">
-                                  <a:latin typeface="Cambria Math" panose="02040503050406030204" pitchFamily="18" charset="0"/>
-                                </a:rPr>
-                                <m:t>𝑆</m:t>
-                              </m:r>
-                            </m:e>
-                            <m:sub>
-                              <m:r>
-                                <a:rPr lang="en-US" altLang="ja-JP" sz="2800" b="0" i="1" smtClean="0">
-                                  <a:latin typeface="Cambria Math" panose="02040503050406030204" pitchFamily="18" charset="0"/>
-                                </a:rPr>
-                                <m:t>𝑜</m:t>
-                              </m:r>
-                            </m:sub>
-                          </m:sSub>
                         </m:e>
-                      </m:d>
+                        <m:sub>
+                          <m:r>
+                            <a:rPr lang="en-US" altLang="ja-JP" sz="2800" i="1">
+                              <a:latin typeface="Cambria Math" panose="02040503050406030204" pitchFamily="18" charset="0"/>
+                            </a:rPr>
+                            <m:t>𝑜</m:t>
+                          </m:r>
+                        </m:sub>
+                        <m:sup>
+                          <m:r>
+                            <a:rPr lang="en-US" altLang="ja-JP" sz="2800" i="1">
+                              <a:latin typeface="Cambria Math" panose="02040503050406030204" pitchFamily="18" charset="0"/>
+                            </a:rPr>
+                            <m:t>𝑅𝐶</m:t>
+                          </m:r>
+                        </m:sup>
+                      </m:sSubSup>
+                      <m:r>
+                        <a:rPr lang="ja-JP" altLang="en-US" sz="2800" i="1">
+                          <a:latin typeface="Cambria Math" panose="02040503050406030204" pitchFamily="18" charset="0"/>
+                        </a:rPr>
+                        <m:t>𝜙</m:t>
+                      </m:r>
+                      <m:sSub>
+                        <m:sSubPr>
+                          <m:ctrlPr>
+                            <a:rPr lang="en-US" altLang="ja-JP" sz="2800" i="1">
+                              <a:latin typeface="Cambria Math" panose="02040503050406030204" pitchFamily="18" charset="0"/>
+                            </a:rPr>
+                          </m:ctrlPr>
+                        </m:sSubPr>
+                        <m:e>
+                          <m:r>
+                            <a:rPr lang="en-US" altLang="ja-JP" sz="2800" i="1">
+                              <a:latin typeface="Cambria Math" panose="02040503050406030204" pitchFamily="18" charset="0"/>
+                            </a:rPr>
+                            <m:t>𝑆</m:t>
+                          </m:r>
+                        </m:e>
+                        <m:sub>
+                          <m:r>
+                            <a:rPr lang="en-US" altLang="ja-JP" sz="2800" i="1">
+                              <a:latin typeface="Cambria Math" panose="02040503050406030204" pitchFamily="18" charset="0"/>
+                            </a:rPr>
+                            <m:t>𝑜</m:t>
+                          </m:r>
+                        </m:sub>
+                      </m:sSub>
                       <m:r>
                         <a:rPr kumimoji="1" lang="en-US" altLang="ja-JP" sz="2800" i="1" smtClean="0">
                           <a:solidFill>

--- a/Intro2ResSim/WaterOil2PhaseFlow_Distribution.pptx
+++ b/Intro2ResSim/WaterOil2PhaseFlow_Distribution.pptx
@@ -159,14 +159,37 @@
 <file path=ppt/revisionInfo.xml><?xml version="1.0" encoding="utf-8"?>
 <p1510:revInfo xmlns:a="http://schemas.openxmlformats.org/drawingml/2006/main" xmlns:r="http://schemas.openxmlformats.org/officeDocument/2006/relationships" xmlns:p1510="http://schemas.microsoft.com/office/powerpoint/2015/10/main">
   <p1510:revLst>
-    <p1510:client id="{016AEB6B-32BB-4C9B-91D5-C357E7676896}" v="3" dt="2022-11-02T15:53:16.655"/>
-    <p1510:client id="{A80CA7C7-D351-44F3-83D3-E57C27514004}" v="10" dt="2022-11-02T12:03:45.728"/>
+    <p1510:client id="{4532C3B0-FDD2-43C6-BAD7-7FE970DBFF55}" v="4" dt="2023-01-23T18:35:32.845"/>
   </p1510:revLst>
 </p1510:revInfo>
 </file>
 
 <file path=ppt/changesInfos/changesInfo1.xml><?xml version="1.0" encoding="utf-8"?>
 <pc:chgInfo xmlns:a="http://schemas.openxmlformats.org/drawingml/2006/main" xmlns:r="http://schemas.openxmlformats.org/officeDocument/2006/relationships" xmlns:ac="http://schemas.microsoft.com/office/drawing/2013/main/command" xmlns:pc="http://schemas.microsoft.com/office/powerpoint/2013/main/command">
+  <pc:docChgLst>
+    <pc:chgData name="hirose taichi" userId="ed2dc4b0-8795-4813-ada8-f41a239e7d7d" providerId="ADAL" clId="{4532C3B0-FDD2-43C6-BAD7-7FE970DBFF55}"/>
+    <pc:docChg chg="modSld">
+      <pc:chgData name="hirose taichi" userId="ed2dc4b0-8795-4813-ada8-f41a239e7d7d" providerId="ADAL" clId="{4532C3B0-FDD2-43C6-BAD7-7FE970DBFF55}" dt="2023-01-23T18:35:32.845" v="3" actId="20577"/>
+      <pc:docMkLst>
+        <pc:docMk/>
+      </pc:docMkLst>
+      <pc:sldChg chg="modSp">
+        <pc:chgData name="hirose taichi" userId="ed2dc4b0-8795-4813-ada8-f41a239e7d7d" providerId="ADAL" clId="{4532C3B0-FDD2-43C6-BAD7-7FE970DBFF55}" dt="2023-01-23T18:35:32.845" v="3" actId="20577"/>
+        <pc:sldMkLst>
+          <pc:docMk/>
+          <pc:sldMk cId="4247633511" sldId="415"/>
+        </pc:sldMkLst>
+        <pc:spChg chg="mod">
+          <ac:chgData name="hirose taichi" userId="ed2dc4b0-8795-4813-ada8-f41a239e7d7d" providerId="ADAL" clId="{4532C3B0-FDD2-43C6-BAD7-7FE970DBFF55}" dt="2023-01-23T18:35:32.845" v="3" actId="20577"/>
+          <ac:spMkLst>
+            <pc:docMk/>
+            <pc:sldMk cId="4247633511" sldId="415"/>
+            <ac:spMk id="2" creationId="{5CC3DBDC-2ABB-464E-AA98-8626CB68BCFA}"/>
+          </ac:spMkLst>
+        </pc:spChg>
+      </pc:sldChg>
+    </pc:docChg>
+  </pc:docChgLst>
   <pc:docChgLst>
     <pc:chgData name="hirose taichi" userId="ed2dc4b0-8795-4813-ada8-f41a239e7d7d" providerId="ADAL" clId="{016AEB6B-32BB-4C9B-91D5-C357E7676896}"/>
     <pc:docChg chg="modSld">
@@ -319,7 +342,7 @@
           <a:p>
             <a:fld id="{5186C602-ADD5-904C-8024-0435CAED47E2}" type="datetimeFigureOut">
               <a:rPr kumimoji="1" lang="ja-JP" altLang="en-US" smtClean="0"/>
-              <a:t>2022/11/3</a:t>
+              <a:t>2023/1/24</a:t>
             </a:fld>
             <a:endParaRPr kumimoji="1" lang="ja-JP" altLang="en-US"/>
           </a:p>
@@ -11468,8 +11491,8 @@
           <a:chExt cx="0" cy="0"/>
         </a:xfrm>
       </p:grpSpPr>
-      <mc:AlternateContent xmlns:mc="http://schemas.openxmlformats.org/markup-compatibility/2006">
-        <mc:Choice xmlns:a14="http://schemas.microsoft.com/office/drawing/2010/main" Requires="a14">
+      <mc:AlternateContent xmlns:mc="http://schemas.openxmlformats.org/markup-compatibility/2006" xmlns:a14="http://schemas.microsoft.com/office/drawing/2010/main">
+        <mc:Choice Requires="a14">
           <p:sp>
             <p:nvSpPr>
               <p:cNvPr id="2" name="コンテンツ プレースホルダー 1">
@@ -12138,7 +12161,7 @@
             </p:txBody>
           </p:sp>
         </mc:Choice>
-        <mc:Fallback>
+        <mc:Fallback xmlns="">
           <p:sp>
             <p:nvSpPr>
               <p:cNvPr id="2" name="コンテンツ プレースホルダー 1">
@@ -13256,8 +13279,8 @@
           <a:chExt cx="0" cy="0"/>
         </a:xfrm>
       </p:grpSpPr>
-      <mc:AlternateContent xmlns:mc="http://schemas.openxmlformats.org/markup-compatibility/2006" xmlns:a14="http://schemas.microsoft.com/office/drawing/2010/main">
-        <mc:Choice Requires="a14">
+      <mc:AlternateContent xmlns:mc="http://schemas.openxmlformats.org/markup-compatibility/2006">
+        <mc:Choice xmlns:a14="http://schemas.microsoft.com/office/drawing/2010/main" Requires="a14">
           <p:sp>
             <p:nvSpPr>
               <p:cNvPr id="2" name="コンテンツ プレースホルダー 1">
@@ -13545,11 +13568,18 @@
                             </m:sub>
                             <m:sup>
                               <m:r>
+                                <a:rPr lang="en-US" altLang="ja-JP" b="0" i="1" smtClean="0">
+                                  <a:latin typeface="Cambria Math" panose="02040503050406030204" pitchFamily="18" charset="0"/>
+                                  <a:ea typeface="Cambria Math" panose="02040503050406030204" pitchFamily="18" charset="0"/>
+                                </a:rPr>
+                                <m:t>𝑆</m:t>
+                              </m:r>
+                              <m:r>
                                 <a:rPr lang="en-US" altLang="ja-JP" i="1">
                                   <a:latin typeface="Cambria Math" panose="02040503050406030204" pitchFamily="18" charset="0"/>
                                   <a:ea typeface="Cambria Math" panose="02040503050406030204" pitchFamily="18" charset="0"/>
                                 </a:rPr>
-                                <m:t>𝑅𝐶</m:t>
+                                <m:t>𝐶</m:t>
                               </m:r>
                             </m:sup>
                           </m:sSubSup>
@@ -13584,11 +13614,18 @@
                             </m:sub>
                             <m:sup>
                               <m:r>
+                                <a:rPr lang="en-US" altLang="ja-JP" b="0" i="1" smtClean="0">
+                                  <a:latin typeface="Cambria Math" panose="02040503050406030204" pitchFamily="18" charset="0"/>
+                                  <a:ea typeface="Cambria Math" panose="02040503050406030204" pitchFamily="18" charset="0"/>
+                                </a:rPr>
+                                <m:t>𝑅</m:t>
+                              </m:r>
+                              <m:r>
                                 <a:rPr lang="en-US" altLang="ja-JP" i="1">
                                   <a:latin typeface="Cambria Math" panose="02040503050406030204" pitchFamily="18" charset="0"/>
                                   <a:ea typeface="Cambria Math" panose="02040503050406030204" pitchFamily="18" charset="0"/>
                                 </a:rPr>
-                                <m:t>𝑆𝐶</m:t>
+                                <m:t>𝐶</m:t>
                               </m:r>
                             </m:sup>
                           </m:sSubSup>
@@ -13648,7 +13685,7 @@
             </p:txBody>
           </p:sp>
         </mc:Choice>
-        <mc:Fallback xmlns="">
+        <mc:Fallback>
           <p:sp>
             <p:nvSpPr>
               <p:cNvPr id="2" name="コンテンツ プレースホルダー 1">

--- a/Intro2ResSim/WaterOil2PhaseFlow_Distribution.pptx
+++ b/Intro2ResSim/WaterOil2PhaseFlow_Distribution.pptx
@@ -5,7 +5,7 @@
     <p:sldMasterId id="2147483670" r:id="rId1"/>
   </p:sldMasterIdLst>
   <p:notesMasterIdLst>
-    <p:notesMasterId r:id="rId19"/>
+    <p:notesMasterId r:id="rId18"/>
   </p:notesMasterIdLst>
   <p:sldIdLst>
     <p:sldId id="391" r:id="rId2"/>
@@ -17,14 +17,13 @@
     <p:sldId id="415" r:id="rId8"/>
     <p:sldId id="416" r:id="rId9"/>
     <p:sldId id="418" r:id="rId10"/>
-    <p:sldId id="412" r:id="rId11"/>
-    <p:sldId id="419" r:id="rId12"/>
-    <p:sldId id="423" r:id="rId13"/>
-    <p:sldId id="421" r:id="rId14"/>
-    <p:sldId id="434" r:id="rId15"/>
-    <p:sldId id="424" r:id="rId16"/>
-    <p:sldId id="426" r:id="rId17"/>
-    <p:sldId id="435" r:id="rId18"/>
+    <p:sldId id="419" r:id="rId11"/>
+    <p:sldId id="423" r:id="rId12"/>
+    <p:sldId id="421" r:id="rId13"/>
+    <p:sldId id="434" r:id="rId14"/>
+    <p:sldId id="424" r:id="rId15"/>
+    <p:sldId id="426" r:id="rId16"/>
+    <p:sldId id="435" r:id="rId17"/>
   </p:sldIdLst>
   <p:sldSz cx="12192000" cy="6858000"/>
   <p:notesSz cx="9144000" cy="6858000"/>
@@ -137,7 +136,6 @@
             <p14:sldId id="415"/>
             <p14:sldId id="416"/>
             <p14:sldId id="418"/>
-            <p14:sldId id="412"/>
             <p14:sldId id="419"/>
             <p14:sldId id="423"/>
             <p14:sldId id="421"/>
@@ -159,7 +157,7 @@
 <file path=ppt/revisionInfo.xml><?xml version="1.0" encoding="utf-8"?>
 <p1510:revInfo xmlns:a="http://schemas.openxmlformats.org/drawingml/2006/main" xmlns:r="http://schemas.openxmlformats.org/officeDocument/2006/relationships" xmlns:p1510="http://schemas.microsoft.com/office/powerpoint/2015/10/main">
   <p1510:revLst>
-    <p1510:client id="{4532C3B0-FDD2-43C6-BAD7-7FE970DBFF55}" v="4" dt="2023-01-23T18:35:32.845"/>
+    <p1510:client id="{E40D29F4-370F-47D3-846A-5E66F0E0125E}" v="44" dt="2023-01-25T22:20:29.005"/>
   </p1510:revLst>
 </p1510:revInfo>
 </file>
@@ -187,6 +185,122 @@
             <ac:spMk id="2" creationId="{5CC3DBDC-2ABB-464E-AA98-8626CB68BCFA}"/>
           </ac:spMkLst>
         </pc:spChg>
+      </pc:sldChg>
+    </pc:docChg>
+  </pc:docChgLst>
+  <pc:docChgLst>
+    <pc:chgData name="hirose taichi" userId="ed2dc4b0-8795-4813-ada8-f41a239e7d7d" providerId="ADAL" clId="{E40D29F4-370F-47D3-846A-5E66F0E0125E}"/>
+    <pc:docChg chg="undo custSel delSld modSld modSection">
+      <pc:chgData name="hirose taichi" userId="ed2dc4b0-8795-4813-ada8-f41a239e7d7d" providerId="ADAL" clId="{E40D29F4-370F-47D3-846A-5E66F0E0125E}" dt="2023-01-25T22:21:52.294" v="221" actId="20577"/>
+      <pc:docMkLst>
+        <pc:docMk/>
+      </pc:docMkLst>
+      <pc:sldChg chg="addSp modSp mod">
+        <pc:chgData name="hirose taichi" userId="ed2dc4b0-8795-4813-ada8-f41a239e7d7d" providerId="ADAL" clId="{E40D29F4-370F-47D3-846A-5E66F0E0125E}" dt="2023-01-25T22:20:29.005" v="149"/>
+        <pc:sldMkLst>
+          <pc:docMk/>
+          <pc:sldMk cId="3714317995" sldId="409"/>
+        </pc:sldMkLst>
+        <pc:spChg chg="mod">
+          <ac:chgData name="hirose taichi" userId="ed2dc4b0-8795-4813-ada8-f41a239e7d7d" providerId="ADAL" clId="{E40D29F4-370F-47D3-846A-5E66F0E0125E}" dt="2023-01-25T22:19:03.859" v="92" actId="20577"/>
+          <ac:spMkLst>
+            <pc:docMk/>
+            <pc:sldMk cId="3714317995" sldId="409"/>
+            <ac:spMk id="2" creationId="{28183F7D-BF66-4F5A-A51C-F4F5EA15673B}"/>
+          </ac:spMkLst>
+        </pc:spChg>
+        <pc:spChg chg="add mod">
+          <ac:chgData name="hirose taichi" userId="ed2dc4b0-8795-4813-ada8-f41a239e7d7d" providerId="ADAL" clId="{E40D29F4-370F-47D3-846A-5E66F0E0125E}" dt="2023-01-25T22:20:29.005" v="149"/>
+          <ac:spMkLst>
+            <pc:docMk/>
+            <pc:sldMk cId="3714317995" sldId="409"/>
+            <ac:spMk id="5" creationId="{66CC0842-6914-4FA0-BE13-F0D7AD993127}"/>
+          </ac:spMkLst>
+        </pc:spChg>
+      </pc:sldChg>
+      <pc:sldChg chg="addSp modSp mod">
+        <pc:chgData name="hirose taichi" userId="ed2dc4b0-8795-4813-ada8-f41a239e7d7d" providerId="ADAL" clId="{E40D29F4-370F-47D3-846A-5E66F0E0125E}" dt="2023-01-25T22:20:25.374" v="148" actId="1076"/>
+        <pc:sldMkLst>
+          <pc:docMk/>
+          <pc:sldMk cId="1300278304" sldId="411"/>
+        </pc:sldMkLst>
+        <pc:spChg chg="mod">
+          <ac:chgData name="hirose taichi" userId="ed2dc4b0-8795-4813-ada8-f41a239e7d7d" providerId="ADAL" clId="{E40D29F4-370F-47D3-846A-5E66F0E0125E}" dt="2023-01-25T22:19:33.889" v="98" actId="113"/>
+          <ac:spMkLst>
+            <pc:docMk/>
+            <pc:sldMk cId="1300278304" sldId="411"/>
+            <ac:spMk id="2" creationId="{28183F7D-BF66-4F5A-A51C-F4F5EA15673B}"/>
+          </ac:spMkLst>
+        </pc:spChg>
+        <pc:spChg chg="mod">
+          <ac:chgData name="hirose taichi" userId="ed2dc4b0-8795-4813-ada8-f41a239e7d7d" providerId="ADAL" clId="{E40D29F4-370F-47D3-846A-5E66F0E0125E}" dt="2023-01-25T22:19:50.079" v="134" actId="21"/>
+          <ac:spMkLst>
+            <pc:docMk/>
+            <pc:sldMk cId="1300278304" sldId="411"/>
+            <ac:spMk id="3" creationId="{B6C3B743-46DE-40E0-98E6-975211BECA90}"/>
+          </ac:spMkLst>
+        </pc:spChg>
+        <pc:spChg chg="add mod">
+          <ac:chgData name="hirose taichi" userId="ed2dc4b0-8795-4813-ada8-f41a239e7d7d" providerId="ADAL" clId="{E40D29F4-370F-47D3-846A-5E66F0E0125E}" dt="2023-01-25T22:20:25.374" v="148" actId="1076"/>
+          <ac:spMkLst>
+            <pc:docMk/>
+            <pc:sldMk cId="1300278304" sldId="411"/>
+            <ac:spMk id="6" creationId="{E1E7BCBB-2B06-4159-ADE8-40133D616AF6}"/>
+          </ac:spMkLst>
+        </pc:spChg>
+      </pc:sldChg>
+      <pc:sldChg chg="modSp del mod">
+        <pc:chgData name="hirose taichi" userId="ed2dc4b0-8795-4813-ada8-f41a239e7d7d" providerId="ADAL" clId="{E40D29F4-370F-47D3-846A-5E66F0E0125E}" dt="2023-01-25T22:21:31.084" v="154" actId="47"/>
+        <pc:sldMkLst>
+          <pc:docMk/>
+          <pc:sldMk cId="282841257" sldId="412"/>
+        </pc:sldMkLst>
+        <pc:spChg chg="mod">
+          <ac:chgData name="hirose taichi" userId="ed2dc4b0-8795-4813-ada8-f41a239e7d7d" providerId="ADAL" clId="{E40D29F4-370F-47D3-846A-5E66F0E0125E}" dt="2023-01-25T22:21:03.589" v="152" actId="1076"/>
+          <ac:spMkLst>
+            <pc:docMk/>
+            <pc:sldMk cId="282841257" sldId="412"/>
+            <ac:spMk id="30" creationId="{6E11BAE3-8AA4-443E-ACD4-6639B3C68EBA}"/>
+          </ac:spMkLst>
+        </pc:spChg>
+        <pc:spChg chg="mod">
+          <ac:chgData name="hirose taichi" userId="ed2dc4b0-8795-4813-ada8-f41a239e7d7d" providerId="ADAL" clId="{E40D29F4-370F-47D3-846A-5E66F0E0125E}" dt="2023-01-25T22:21:07.295" v="153" actId="1076"/>
+          <ac:spMkLst>
+            <pc:docMk/>
+            <pc:sldMk cId="282841257" sldId="412"/>
+            <ac:spMk id="31" creationId="{CEF3A8A0-9C75-4ED9-83D7-A688383B8BBC}"/>
+          </ac:spMkLst>
+        </pc:spChg>
+      </pc:sldChg>
+      <pc:sldChg chg="modSp mod">
+        <pc:chgData name="hirose taichi" userId="ed2dc4b0-8795-4813-ada8-f41a239e7d7d" providerId="ADAL" clId="{E40D29F4-370F-47D3-846A-5E66F0E0125E}" dt="2023-01-25T22:20:50.774" v="151" actId="1076"/>
+        <pc:sldMkLst>
+          <pc:docMk/>
+          <pc:sldMk cId="607085936" sldId="416"/>
+        </pc:sldMkLst>
+        <pc:spChg chg="mod">
+          <ac:chgData name="hirose taichi" userId="ed2dc4b0-8795-4813-ada8-f41a239e7d7d" providerId="ADAL" clId="{E40D29F4-370F-47D3-846A-5E66F0E0125E}" dt="2023-01-25T22:20:47.094" v="150" actId="1076"/>
+          <ac:spMkLst>
+            <pc:docMk/>
+            <pc:sldMk cId="607085936" sldId="416"/>
+            <ac:spMk id="53" creationId="{4AB5289C-4795-4161-B269-FEB7D7F6B2BB}"/>
+          </ac:spMkLst>
+        </pc:spChg>
+        <pc:spChg chg="mod">
+          <ac:chgData name="hirose taichi" userId="ed2dc4b0-8795-4813-ada8-f41a239e7d7d" providerId="ADAL" clId="{E40D29F4-370F-47D3-846A-5E66F0E0125E}" dt="2023-01-25T22:20:50.774" v="151" actId="1076"/>
+          <ac:spMkLst>
+            <pc:docMk/>
+            <pc:sldMk cId="607085936" sldId="416"/>
+            <ac:spMk id="56" creationId="{790F9EDF-A41F-465F-91FD-C63D0689DAAA}"/>
+          </ac:spMkLst>
+        </pc:spChg>
+      </pc:sldChg>
+      <pc:sldChg chg="modNotesTx">
+        <pc:chgData name="hirose taichi" userId="ed2dc4b0-8795-4813-ada8-f41a239e7d7d" providerId="ADAL" clId="{E40D29F4-370F-47D3-846A-5E66F0E0125E}" dt="2023-01-25T22:21:52.294" v="221" actId="20577"/>
+        <pc:sldMkLst>
+          <pc:docMk/>
+          <pc:sldMk cId="1681394602" sldId="434"/>
+        </pc:sldMkLst>
       </pc:sldChg>
     </pc:docChg>
   </pc:docChgLst>
@@ -342,7 +456,7 @@
           <a:p>
             <a:fld id="{5186C602-ADD5-904C-8024-0435CAED47E2}" type="datetimeFigureOut">
               <a:rPr kumimoji="1" lang="ja-JP" altLang="en-US" smtClean="0"/>
-              <a:t>2023/1/24</a:t>
+              <a:t>2023/1/26</a:t>
             </a:fld>
             <a:endParaRPr kumimoji="1" lang="ja-JP" altLang="en-US"/>
           </a:p>
@@ -774,7 +888,7 @@
     </p:spTree>
     <p:extLst>
       <p:ext uri="{BB962C8B-B14F-4D97-AF65-F5344CB8AC3E}">
-        <p14:creationId xmlns:p14="http://schemas.microsoft.com/office/powerpoint/2010/main" val="2778819199"/>
+        <p14:creationId xmlns:p14="http://schemas.microsoft.com/office/powerpoint/2010/main" val="3556381720"/>
       </p:ext>
     </p:extLst>
   </p:cSld>
@@ -858,7 +972,7 @@
     </p:spTree>
     <p:extLst>
       <p:ext uri="{BB962C8B-B14F-4D97-AF65-F5344CB8AC3E}">
-        <p14:creationId xmlns:p14="http://schemas.microsoft.com/office/powerpoint/2010/main" val="3556381720"/>
+        <p14:creationId xmlns:p14="http://schemas.microsoft.com/office/powerpoint/2010/main" val="2878085265"/>
       </p:ext>
     </p:extLst>
   </p:cSld>
@@ -912,6 +1026,10 @@
           <a:bodyPr/>
           <a:lstStyle/>
           <a:p>
+            <a:r>
+              <a:rPr kumimoji="1" lang="ja-JP" altLang="en-US"/>
+              <a:t>今回は油の沸騰のような，相変化は無視する。</a:t>
+            </a:r>
             <a:endParaRPr kumimoji="1" lang="ja-JP" altLang="en-US" dirty="0"/>
           </a:p>
         </p:txBody>
@@ -942,7 +1060,7 @@
     </p:spTree>
     <p:extLst>
       <p:ext uri="{BB962C8B-B14F-4D97-AF65-F5344CB8AC3E}">
-        <p14:creationId xmlns:p14="http://schemas.microsoft.com/office/powerpoint/2010/main" val="2878085265"/>
+        <p14:creationId xmlns:p14="http://schemas.microsoft.com/office/powerpoint/2010/main" val="1339474111"/>
       </p:ext>
     </p:extLst>
   </p:cSld>
@@ -1018,90 +1136,6 @@
             <a:fld id="{5FB7981C-FA40-F348-8BD1-6FCF5195A4F2}" type="slidenum">
               <a:rPr kumimoji="1" lang="ja-JP" altLang="en-US" smtClean="0"/>
               <a:t>13</a:t>
-            </a:fld>
-            <a:endParaRPr kumimoji="1" lang="ja-JP" altLang="en-US"/>
-          </a:p>
-        </p:txBody>
-      </p:sp>
-    </p:spTree>
-    <p:extLst>
-      <p:ext uri="{BB962C8B-B14F-4D97-AF65-F5344CB8AC3E}">
-        <p14:creationId xmlns:p14="http://schemas.microsoft.com/office/powerpoint/2010/main" val="1339474111"/>
-      </p:ext>
-    </p:extLst>
-  </p:cSld>
-  <p:clrMapOvr>
-    <a:masterClrMapping/>
-  </p:clrMapOvr>
-</p:notes>
-</file>
-
-<file path=ppt/notesSlides/notesSlide14.xml><?xml version="1.0" encoding="utf-8"?>
-<p:notes xmlns:a="http://schemas.openxmlformats.org/drawingml/2006/main" xmlns:r="http://schemas.openxmlformats.org/officeDocument/2006/relationships" xmlns:p="http://schemas.openxmlformats.org/presentationml/2006/main">
-  <p:cSld>
-    <p:spTree>
-      <p:nvGrpSpPr>
-        <p:cNvPr id="1" name=""/>
-        <p:cNvGrpSpPr/>
-        <p:nvPr/>
-      </p:nvGrpSpPr>
-      <p:grpSpPr>
-        <a:xfrm>
-          <a:off x="0" y="0"/>
-          <a:ext cx="0" cy="0"/>
-          <a:chOff x="0" y="0"/>
-          <a:chExt cx="0" cy="0"/>
-        </a:xfrm>
-      </p:grpSpPr>
-      <p:sp>
-        <p:nvSpPr>
-          <p:cNvPr id="2" name="スライド イメージ プレースホルダー 1"/>
-          <p:cNvSpPr>
-            <a:spLocks noGrp="1" noRot="1" noChangeAspect="1"/>
-          </p:cNvSpPr>
-          <p:nvPr>
-            <p:ph type="sldImg"/>
-          </p:nvPr>
-        </p:nvSpPr>
-        <p:spPr/>
-      </p:sp>
-      <p:sp>
-        <p:nvSpPr>
-          <p:cNvPr id="3" name="ノート プレースホルダー 2"/>
-          <p:cNvSpPr>
-            <a:spLocks noGrp="1"/>
-          </p:cNvSpPr>
-          <p:nvPr>
-            <p:ph type="body" idx="1"/>
-          </p:nvPr>
-        </p:nvSpPr>
-        <p:spPr/>
-        <p:txBody>
-          <a:bodyPr/>
-          <a:lstStyle/>
-          <a:p>
-            <a:endParaRPr kumimoji="1" lang="ja-JP" altLang="en-US" dirty="0"/>
-          </a:p>
-        </p:txBody>
-      </p:sp>
-      <p:sp>
-        <p:nvSpPr>
-          <p:cNvPr id="4" name="スライド番号プレースホルダー 3"/>
-          <p:cNvSpPr>
-            <a:spLocks noGrp="1"/>
-          </p:cNvSpPr>
-          <p:nvPr>
-            <p:ph type="sldNum" sz="quarter" idx="5"/>
-          </p:nvPr>
-        </p:nvSpPr>
-        <p:spPr/>
-        <p:txBody>
-          <a:bodyPr/>
-          <a:lstStyle/>
-          <a:p>
-            <a:fld id="{5FB7981C-FA40-F348-8BD1-6FCF5195A4F2}" type="slidenum">
-              <a:rPr kumimoji="1" lang="ja-JP" altLang="en-US" smtClean="0"/>
-              <a:t>14</a:t>
             </a:fld>
             <a:endParaRPr kumimoji="1" lang="ja-JP" altLang="en-US"/>
           </a:p>
@@ -1785,7 +1819,7 @@
     </p:spTree>
     <p:extLst>
       <p:ext uri="{BB962C8B-B14F-4D97-AF65-F5344CB8AC3E}">
-        <p14:creationId xmlns:p14="http://schemas.microsoft.com/office/powerpoint/2010/main" val="2643355968"/>
+        <p14:creationId xmlns:p14="http://schemas.microsoft.com/office/powerpoint/2010/main" val="2778819199"/>
       </p:ext>
     </p:extLst>
   </p:cSld>
@@ -4008,1298 +4042,6 @@
           <a:chExt cx="0" cy="0"/>
         </a:xfrm>
       </p:grpSpPr>
-      <mc:AlternateContent xmlns:mc="http://schemas.openxmlformats.org/markup-compatibility/2006" xmlns:a14="http://schemas.microsoft.com/office/drawing/2010/main">
-        <mc:Choice Requires="a14">
-          <p:sp>
-            <p:nvSpPr>
-              <p:cNvPr id="2" name="コンテンツ プレースホルダー 1">
-                <a:extLst>
-                  <a:ext uri="{FF2B5EF4-FFF2-40B4-BE49-F238E27FC236}">
-                    <a16:creationId xmlns:a16="http://schemas.microsoft.com/office/drawing/2014/main" id="{5CC3DBDC-2ABB-464E-AA98-8626CB68BCFA}"/>
-                  </a:ext>
-                </a:extLst>
-              </p:cNvPr>
-              <p:cNvSpPr>
-                <a:spLocks noGrp="1"/>
-              </p:cNvSpPr>
-              <p:nvPr>
-                <p:ph idx="1"/>
-              </p:nvPr>
-            </p:nvSpPr>
-            <p:spPr>
-              <a:xfrm>
-                <a:off x="488949" y="1261023"/>
-                <a:ext cx="8881709" cy="655447"/>
-              </a:xfrm>
-            </p:spPr>
-            <p:txBody>
-              <a:bodyPr>
-                <a:normAutofit/>
-              </a:bodyPr>
-              <a:lstStyle/>
-              <a:p>
-                <a:r>
-                  <a:rPr lang="ja-JP" altLang="en-US" dirty="0"/>
-                  <a:t>ガスの容積係数 </a:t>
-                </a:r>
-                <a14:m>
-                  <m:oMath xmlns:m="http://schemas.openxmlformats.org/officeDocument/2006/math">
-                    <m:sSub>
-                      <m:sSubPr>
-                        <m:ctrlPr>
-                          <a:rPr kumimoji="1" lang="en-US" altLang="ja-JP" b="0" i="1" smtClean="0">
-                            <a:latin typeface="Cambria Math" panose="02040503050406030204" pitchFamily="18" charset="0"/>
-                          </a:rPr>
-                        </m:ctrlPr>
-                      </m:sSubPr>
-                      <m:e>
-                        <m:r>
-                          <a:rPr kumimoji="1" lang="en-US" altLang="ja-JP" b="0" i="1" smtClean="0">
-                            <a:latin typeface="Cambria Math" panose="02040503050406030204" pitchFamily="18" charset="0"/>
-                          </a:rPr>
-                          <m:t>𝐵</m:t>
-                        </m:r>
-                      </m:e>
-                      <m:sub>
-                        <m:r>
-                          <a:rPr kumimoji="1" lang="en-US" altLang="ja-JP" b="0" i="1" smtClean="0">
-                            <a:latin typeface="Cambria Math" panose="02040503050406030204" pitchFamily="18" charset="0"/>
-                          </a:rPr>
-                          <m:t>𝑔</m:t>
-                        </m:r>
-                      </m:sub>
-                    </m:sSub>
-                  </m:oMath>
-                </a14:m>
-                <a:r>
-                  <a:rPr lang="en-US" altLang="ja-JP" dirty="0"/>
-                  <a:t>&lt;</a:t>
-                </a:r>
-                <a:r>
-                  <a:rPr lang="ja-JP" altLang="en-US" dirty="0"/>
-                  <a:t>１（気体は圧縮率が高い）</a:t>
-                </a:r>
-                <a:endParaRPr lang="en-US" altLang="ja-JP" dirty="0"/>
-              </a:p>
-            </p:txBody>
-          </p:sp>
-        </mc:Choice>
-        <mc:Fallback xmlns="">
-          <p:sp>
-            <p:nvSpPr>
-              <p:cNvPr id="2" name="コンテンツ プレースホルダー 1">
-                <a:extLst>
-                  <a:ext uri="{FF2B5EF4-FFF2-40B4-BE49-F238E27FC236}">
-                    <a16:creationId xmlns:a16="http://schemas.microsoft.com/office/drawing/2014/main" id="{5CC3DBDC-2ABB-464E-AA98-8626CB68BCFA}"/>
-                  </a:ext>
-                </a:extLst>
-              </p:cNvPr>
-              <p:cNvSpPr>
-                <a:spLocks noGrp="1" noRot="1" noChangeAspect="1" noMove="1" noResize="1" noEditPoints="1" noAdjustHandles="1" noChangeArrowheads="1" noChangeShapeType="1" noTextEdit="1"/>
-              </p:cNvSpPr>
-              <p:nvPr>
-                <p:ph idx="1"/>
-              </p:nvPr>
-            </p:nvSpPr>
-            <p:spPr>
-              <a:xfrm>
-                <a:off x="488949" y="1261023"/>
-                <a:ext cx="8881709" cy="655447"/>
-              </a:xfrm>
-              <a:blipFill>
-                <a:blip r:embed="rId3"/>
-                <a:stretch>
-                  <a:fillRect l="-1922" b="-5607"/>
-                </a:stretch>
-              </a:blipFill>
-            </p:spPr>
-            <p:txBody>
-              <a:bodyPr/>
-              <a:lstStyle/>
-              <a:p>
-                <a:r>
-                  <a:rPr lang="ja-JP" altLang="en-US">
-                    <a:noFill/>
-                  </a:rPr>
-                  <a:t> </a:t>
-                </a:r>
-              </a:p>
-            </p:txBody>
-          </p:sp>
-        </mc:Fallback>
-      </mc:AlternateContent>
-      <p:sp>
-        <p:nvSpPr>
-          <p:cNvPr id="3" name="タイトル 2">
-            <a:extLst>
-              <a:ext uri="{FF2B5EF4-FFF2-40B4-BE49-F238E27FC236}">
-                <a16:creationId xmlns:a16="http://schemas.microsoft.com/office/drawing/2014/main" id="{0921E3F5-4656-480F-ACDF-10F20AD43E90}"/>
-              </a:ext>
-            </a:extLst>
-          </p:cNvPr>
-          <p:cNvSpPr>
-            <a:spLocks noGrp="1"/>
-          </p:cNvSpPr>
-          <p:nvPr>
-            <p:ph type="title"/>
-          </p:nvPr>
-        </p:nvSpPr>
-        <p:spPr/>
-        <p:txBody>
-          <a:bodyPr/>
-          <a:lstStyle/>
-          <a:p>
-            <a:r>
-              <a:rPr kumimoji="1" lang="en-US" altLang="ja-JP" dirty="0"/>
-              <a:t>2. </a:t>
-            </a:r>
-            <a:r>
-              <a:rPr kumimoji="1" lang="ja-JP" altLang="en-US" dirty="0"/>
-              <a:t>容積係数 </a:t>
-            </a:r>
-            <a:r>
-              <a:rPr kumimoji="1" lang="en-US" altLang="ja-JP" dirty="0"/>
-              <a:t>/ Formation Volume Factor</a:t>
-            </a:r>
-            <a:r>
-              <a:rPr kumimoji="1" lang="ja-JP" altLang="en-US" dirty="0"/>
-              <a:t>（ガス）</a:t>
-            </a:r>
-          </a:p>
-        </p:txBody>
-      </p:sp>
-      <p:sp>
-        <p:nvSpPr>
-          <p:cNvPr id="4" name="コンテンツ プレースホルダー 3">
-            <a:extLst>
-              <a:ext uri="{FF2B5EF4-FFF2-40B4-BE49-F238E27FC236}">
-                <a16:creationId xmlns:a16="http://schemas.microsoft.com/office/drawing/2014/main" id="{977032EA-A78C-46A3-BB4E-E4D258259B9F}"/>
-              </a:ext>
-            </a:extLst>
-          </p:cNvPr>
-          <p:cNvSpPr>
-            <a:spLocks noGrp="1"/>
-          </p:cNvSpPr>
-          <p:nvPr>
-            <p:ph sz="quarter" idx="10"/>
-          </p:nvPr>
-        </p:nvSpPr>
-        <p:spPr/>
-        <p:txBody>
-          <a:bodyPr/>
-          <a:lstStyle/>
-          <a:p>
-            <a:endParaRPr kumimoji="1" lang="ja-JP" altLang="en-US"/>
-          </a:p>
-        </p:txBody>
-      </p:sp>
-      <p:sp>
-        <p:nvSpPr>
-          <p:cNvPr id="53" name="正方形/長方形 52">
-            <a:extLst>
-              <a:ext uri="{FF2B5EF4-FFF2-40B4-BE49-F238E27FC236}">
-                <a16:creationId xmlns:a16="http://schemas.microsoft.com/office/drawing/2014/main" id="{E28B29C1-4338-4B86-BB3A-86C06BF7AAFC}"/>
-              </a:ext>
-            </a:extLst>
-          </p:cNvPr>
-          <p:cNvSpPr/>
-          <p:nvPr/>
-        </p:nvSpPr>
-        <p:spPr>
-          <a:xfrm>
-            <a:off x="9383894" y="2744653"/>
-            <a:ext cx="136652" cy="1842212"/>
-          </a:xfrm>
-          <a:prstGeom prst="rect">
-            <a:avLst/>
-          </a:prstGeom>
-          <a:solidFill>
-            <a:schemeClr val="bg1"/>
-          </a:solidFill>
-          <a:ln w="19050">
-            <a:noFill/>
-            <a:headEnd type="none" w="med" len="med"/>
-            <a:tailEnd type="none" w="med" len="med"/>
-          </a:ln>
-        </p:spPr>
-        <p:style>
-          <a:lnRef idx="1">
-            <a:schemeClr val="accent1"/>
-          </a:lnRef>
-          <a:fillRef idx="0">
-            <a:schemeClr val="accent1"/>
-          </a:fillRef>
-          <a:effectRef idx="0">
-            <a:schemeClr val="accent1"/>
-          </a:effectRef>
-          <a:fontRef idx="minor">
-            <a:schemeClr val="tx1"/>
-          </a:fontRef>
-        </p:style>
-        <p:txBody>
-          <a:bodyPr rtlCol="0" anchor="ctr"/>
-          <a:lstStyle/>
-          <a:p>
-            <a:pPr algn="ctr"/>
-            <a:endParaRPr kumimoji="1" lang="ja-JP" altLang="en-US" sz="2400" dirty="0">
-              <a:solidFill>
-                <a:schemeClr val="tx1">
-                  <a:lumMod val="75000"/>
-                  <a:lumOff val="25000"/>
-                </a:schemeClr>
-              </a:solidFill>
-            </a:endParaRPr>
-          </a:p>
-        </p:txBody>
-      </p:sp>
-      <p:cxnSp>
-        <p:nvCxnSpPr>
-          <p:cNvPr id="54" name="直線コネクタ 53">
-            <a:extLst>
-              <a:ext uri="{FF2B5EF4-FFF2-40B4-BE49-F238E27FC236}">
-                <a16:creationId xmlns:a16="http://schemas.microsoft.com/office/drawing/2014/main" id="{5962C15A-750F-4038-85CA-2EA08E09EC07}"/>
-              </a:ext>
-            </a:extLst>
-          </p:cNvPr>
-          <p:cNvCxnSpPr>
-            <a:cxnSpLocks/>
-          </p:cNvCxnSpPr>
-          <p:nvPr/>
-        </p:nvCxnSpPr>
-        <p:spPr>
-          <a:xfrm rot="16200000">
-            <a:off x="7824895" y="4102359"/>
-            <a:ext cx="3096000" cy="0"/>
-          </a:xfrm>
-          <a:prstGeom prst="line">
-            <a:avLst/>
-          </a:prstGeom>
-          <a:ln w="28575">
-            <a:solidFill>
-              <a:schemeClr val="tx1">
-                <a:lumMod val="75000"/>
-                <a:lumOff val="25000"/>
-              </a:schemeClr>
-            </a:solidFill>
-            <a:headEnd type="none" w="med" len="med"/>
-            <a:tailEnd type="none" w="med" len="med"/>
-          </a:ln>
-        </p:spPr>
-        <p:style>
-          <a:lnRef idx="1">
-            <a:schemeClr val="accent1"/>
-          </a:lnRef>
-          <a:fillRef idx="0">
-            <a:schemeClr val="accent1"/>
-          </a:fillRef>
-          <a:effectRef idx="0">
-            <a:schemeClr val="accent1"/>
-          </a:effectRef>
-          <a:fontRef idx="minor">
-            <a:schemeClr val="tx1"/>
-          </a:fontRef>
-        </p:style>
-      </p:cxnSp>
-      <p:cxnSp>
-        <p:nvCxnSpPr>
-          <p:cNvPr id="55" name="直線コネクタ 54">
-            <a:extLst>
-              <a:ext uri="{FF2B5EF4-FFF2-40B4-BE49-F238E27FC236}">
-                <a16:creationId xmlns:a16="http://schemas.microsoft.com/office/drawing/2014/main" id="{11514D72-2201-4004-8BD6-149A4468F695}"/>
-              </a:ext>
-            </a:extLst>
-          </p:cNvPr>
-          <p:cNvCxnSpPr>
-            <a:cxnSpLocks/>
-          </p:cNvCxnSpPr>
-          <p:nvPr/>
-        </p:nvCxnSpPr>
-        <p:spPr>
-          <a:xfrm rot="16200000">
-            <a:off x="7985781" y="4121409"/>
-            <a:ext cx="3096000" cy="0"/>
-          </a:xfrm>
-          <a:prstGeom prst="line">
-            <a:avLst/>
-          </a:prstGeom>
-          <a:ln w="28575">
-            <a:solidFill>
-              <a:schemeClr val="tx1">
-                <a:lumMod val="75000"/>
-                <a:lumOff val="25000"/>
-              </a:schemeClr>
-            </a:solidFill>
-            <a:headEnd type="none" w="med" len="med"/>
-            <a:tailEnd type="none" w="med" len="med"/>
-          </a:ln>
-        </p:spPr>
-        <p:style>
-          <a:lnRef idx="1">
-            <a:schemeClr val="accent1"/>
-          </a:lnRef>
-          <a:fillRef idx="0">
-            <a:schemeClr val="accent1"/>
-          </a:fillRef>
-          <a:effectRef idx="0">
-            <a:schemeClr val="accent1"/>
-          </a:effectRef>
-          <a:fontRef idx="minor">
-            <a:schemeClr val="tx1"/>
-          </a:fontRef>
-        </p:style>
-      </p:cxnSp>
-      <p:sp>
-        <p:nvSpPr>
-          <p:cNvPr id="24" name="矢印: 上向き折線 23">
-            <a:extLst>
-              <a:ext uri="{FF2B5EF4-FFF2-40B4-BE49-F238E27FC236}">
-                <a16:creationId xmlns:a16="http://schemas.microsoft.com/office/drawing/2014/main" id="{7B96C3D1-02AA-4975-8B1F-289D4F3ADA98}"/>
-              </a:ext>
-            </a:extLst>
-          </p:cNvPr>
-          <p:cNvSpPr/>
-          <p:nvPr/>
-        </p:nvSpPr>
-        <p:spPr>
-          <a:xfrm rot="16200000">
-            <a:off x="6464502" y="2416309"/>
-            <a:ext cx="2639388" cy="3376388"/>
-          </a:xfrm>
-          <a:prstGeom prst="bentUpArrow">
-            <a:avLst>
-              <a:gd name="adj1" fmla="val 1392"/>
-              <a:gd name="adj2" fmla="val 3582"/>
-              <a:gd name="adj3" fmla="val 10573"/>
-            </a:avLst>
-          </a:prstGeom>
-          <a:solidFill>
-            <a:schemeClr val="accent2"/>
-          </a:solidFill>
-          <a:ln w="19050">
-            <a:noFill/>
-            <a:headEnd type="none" w="med" len="med"/>
-            <a:tailEnd type="none" w="med" len="med"/>
-          </a:ln>
-        </p:spPr>
-        <p:style>
-          <a:lnRef idx="1">
-            <a:schemeClr val="accent1"/>
-          </a:lnRef>
-          <a:fillRef idx="0">
-            <a:schemeClr val="accent1"/>
-          </a:fillRef>
-          <a:effectRef idx="0">
-            <a:schemeClr val="accent1"/>
-          </a:effectRef>
-          <a:fontRef idx="minor">
-            <a:schemeClr val="tx1"/>
-          </a:fontRef>
-        </p:style>
-        <p:txBody>
-          <a:bodyPr rtlCol="0" anchor="ctr"/>
-          <a:lstStyle/>
-          <a:p>
-            <a:pPr algn="ctr"/>
-            <a:endParaRPr kumimoji="1" lang="ja-JP" altLang="en-US" sz="2400" dirty="0">
-              <a:solidFill>
-                <a:schemeClr val="tx1">
-                  <a:lumMod val="75000"/>
-                  <a:lumOff val="25000"/>
-                </a:schemeClr>
-              </a:solidFill>
-            </a:endParaRPr>
-          </a:p>
-        </p:txBody>
-      </p:sp>
-      <p:sp>
-        <p:nvSpPr>
-          <p:cNvPr id="57" name="正方形/長方形 56">
-            <a:extLst>
-              <a:ext uri="{FF2B5EF4-FFF2-40B4-BE49-F238E27FC236}">
-                <a16:creationId xmlns:a16="http://schemas.microsoft.com/office/drawing/2014/main" id="{0BE28581-A310-4D1F-BA4C-F5604794A489}"/>
-              </a:ext>
-            </a:extLst>
-          </p:cNvPr>
-          <p:cNvSpPr/>
-          <p:nvPr/>
-        </p:nvSpPr>
-        <p:spPr>
-          <a:xfrm>
-            <a:off x="9323798" y="2561725"/>
-            <a:ext cx="259080" cy="644221"/>
-          </a:xfrm>
-          <a:prstGeom prst="rect">
-            <a:avLst/>
-          </a:prstGeom>
-          <a:solidFill>
-            <a:schemeClr val="tx1">
-              <a:lumMod val="75000"/>
-              <a:lumOff val="25000"/>
-            </a:schemeClr>
-          </a:solidFill>
-          <a:ln w="19050">
-            <a:solidFill>
-              <a:schemeClr val="tx1">
-                <a:lumMod val="75000"/>
-                <a:lumOff val="25000"/>
-              </a:schemeClr>
-            </a:solidFill>
-            <a:headEnd type="none" w="med" len="med"/>
-            <a:tailEnd type="none" w="med" len="med"/>
-          </a:ln>
-        </p:spPr>
-        <p:style>
-          <a:lnRef idx="1">
-            <a:schemeClr val="accent1"/>
-          </a:lnRef>
-          <a:fillRef idx="0">
-            <a:schemeClr val="accent1"/>
-          </a:fillRef>
-          <a:effectRef idx="0">
-            <a:schemeClr val="accent1"/>
-          </a:effectRef>
-          <a:fontRef idx="minor">
-            <a:schemeClr val="tx1"/>
-          </a:fontRef>
-        </p:style>
-        <p:txBody>
-          <a:bodyPr rtlCol="0" anchor="ctr"/>
-          <a:lstStyle/>
-          <a:p>
-            <a:pPr algn="ctr"/>
-            <a:endParaRPr kumimoji="1" lang="ja-JP" altLang="en-US" sz="2400" dirty="0">
-              <a:solidFill>
-                <a:schemeClr val="tx1">
-                  <a:lumMod val="75000"/>
-                  <a:lumOff val="25000"/>
-                </a:schemeClr>
-              </a:solidFill>
-            </a:endParaRPr>
-          </a:p>
-        </p:txBody>
-      </p:sp>
-      <p:sp>
-        <p:nvSpPr>
-          <p:cNvPr id="58" name="正方形/長方形 57">
-            <a:extLst>
-              <a:ext uri="{FF2B5EF4-FFF2-40B4-BE49-F238E27FC236}">
-                <a16:creationId xmlns:a16="http://schemas.microsoft.com/office/drawing/2014/main" id="{53B7ADBF-2C3A-40A7-89AC-A1DC3C4785FA}"/>
-              </a:ext>
-            </a:extLst>
-          </p:cNvPr>
-          <p:cNvSpPr/>
-          <p:nvPr/>
-        </p:nvSpPr>
-        <p:spPr>
-          <a:xfrm rot="5400000">
-            <a:off x="9385532" y="2388200"/>
-            <a:ext cx="135612" cy="761696"/>
-          </a:xfrm>
-          <a:prstGeom prst="rect">
-            <a:avLst/>
-          </a:prstGeom>
-          <a:solidFill>
-            <a:schemeClr val="tx1">
-              <a:lumMod val="75000"/>
-              <a:lumOff val="25000"/>
-            </a:schemeClr>
-          </a:solidFill>
-          <a:ln w="19050">
-            <a:solidFill>
-              <a:schemeClr val="tx1">
-                <a:lumMod val="75000"/>
-                <a:lumOff val="25000"/>
-              </a:schemeClr>
-            </a:solidFill>
-            <a:headEnd type="none" w="med" len="med"/>
-            <a:tailEnd type="none" w="med" len="med"/>
-          </a:ln>
-        </p:spPr>
-        <p:style>
-          <a:lnRef idx="1">
-            <a:schemeClr val="accent1"/>
-          </a:lnRef>
-          <a:fillRef idx="0">
-            <a:schemeClr val="accent1"/>
-          </a:fillRef>
-          <a:effectRef idx="0">
-            <a:schemeClr val="accent1"/>
-          </a:effectRef>
-          <a:fontRef idx="minor">
-            <a:schemeClr val="tx1"/>
-          </a:fontRef>
-        </p:style>
-        <p:txBody>
-          <a:bodyPr rtlCol="0" anchor="ctr"/>
-          <a:lstStyle/>
-          <a:p>
-            <a:pPr algn="ctr"/>
-            <a:endParaRPr kumimoji="1" lang="ja-JP" altLang="en-US" sz="2400" dirty="0">
-              <a:solidFill>
-                <a:schemeClr val="tx1">
-                  <a:lumMod val="75000"/>
-                  <a:lumOff val="25000"/>
-                </a:schemeClr>
-              </a:solidFill>
-            </a:endParaRPr>
-          </a:p>
-        </p:txBody>
-      </p:sp>
-      <p:sp>
-        <p:nvSpPr>
-          <p:cNvPr id="59" name="正方形/長方形 58">
-            <a:extLst>
-              <a:ext uri="{FF2B5EF4-FFF2-40B4-BE49-F238E27FC236}">
-                <a16:creationId xmlns:a16="http://schemas.microsoft.com/office/drawing/2014/main" id="{3BA63449-8B35-4381-A61A-AA433D6EE382}"/>
-              </a:ext>
-            </a:extLst>
-          </p:cNvPr>
-          <p:cNvSpPr/>
-          <p:nvPr/>
-        </p:nvSpPr>
-        <p:spPr>
-          <a:xfrm rot="5400000">
-            <a:off x="9385532" y="2620754"/>
-            <a:ext cx="135612" cy="761696"/>
-          </a:xfrm>
-          <a:prstGeom prst="rect">
-            <a:avLst/>
-          </a:prstGeom>
-          <a:solidFill>
-            <a:schemeClr val="tx1">
-              <a:lumMod val="75000"/>
-              <a:lumOff val="25000"/>
-            </a:schemeClr>
-          </a:solidFill>
-          <a:ln w="19050">
-            <a:solidFill>
-              <a:schemeClr val="tx1">
-                <a:lumMod val="75000"/>
-                <a:lumOff val="25000"/>
-              </a:schemeClr>
-            </a:solidFill>
-            <a:headEnd type="none" w="med" len="med"/>
-            <a:tailEnd type="none" w="med" len="med"/>
-          </a:ln>
-        </p:spPr>
-        <p:style>
-          <a:lnRef idx="1">
-            <a:schemeClr val="accent1"/>
-          </a:lnRef>
-          <a:fillRef idx="0">
-            <a:schemeClr val="accent1"/>
-          </a:fillRef>
-          <a:effectRef idx="0">
-            <a:schemeClr val="accent1"/>
-          </a:effectRef>
-          <a:fontRef idx="minor">
-            <a:schemeClr val="tx1"/>
-          </a:fontRef>
-        </p:style>
-        <p:txBody>
-          <a:bodyPr rtlCol="0" anchor="ctr"/>
-          <a:lstStyle/>
-          <a:p>
-            <a:pPr algn="ctr"/>
-            <a:endParaRPr kumimoji="1" lang="ja-JP" altLang="en-US" sz="2400" dirty="0">
-              <a:solidFill>
-                <a:schemeClr val="tx1">
-                  <a:lumMod val="75000"/>
-                  <a:lumOff val="25000"/>
-                </a:schemeClr>
-              </a:solidFill>
-            </a:endParaRPr>
-          </a:p>
-        </p:txBody>
-      </p:sp>
-      <p:sp>
-        <p:nvSpPr>
-          <p:cNvPr id="50" name="正方形/長方形 49">
-            <a:extLst>
-              <a:ext uri="{FF2B5EF4-FFF2-40B4-BE49-F238E27FC236}">
-                <a16:creationId xmlns:a16="http://schemas.microsoft.com/office/drawing/2014/main" id="{A998D3C8-C75B-4388-B7D4-5F9CF7F80E6C}"/>
-              </a:ext>
-            </a:extLst>
-          </p:cNvPr>
-          <p:cNvSpPr/>
-          <p:nvPr/>
-        </p:nvSpPr>
-        <p:spPr>
-          <a:xfrm>
-            <a:off x="8309119" y="5281935"/>
-            <a:ext cx="2305251" cy="774535"/>
-          </a:xfrm>
-          <a:prstGeom prst="rect">
-            <a:avLst/>
-          </a:prstGeom>
-          <a:solidFill>
-            <a:schemeClr val="accent2"/>
-          </a:solidFill>
-          <a:ln w="19050">
-            <a:noFill/>
-            <a:headEnd type="none" w="med" len="med"/>
-            <a:tailEnd type="none" w="med" len="med"/>
-          </a:ln>
-        </p:spPr>
-        <p:style>
-          <a:lnRef idx="1">
-            <a:schemeClr val="accent1"/>
-          </a:lnRef>
-          <a:fillRef idx="0">
-            <a:schemeClr val="accent1"/>
-          </a:fillRef>
-          <a:effectRef idx="0">
-            <a:schemeClr val="accent1"/>
-          </a:effectRef>
-          <a:fontRef idx="minor">
-            <a:schemeClr val="tx1"/>
-          </a:fontRef>
-        </p:style>
-        <p:txBody>
-          <a:bodyPr rtlCol="0" anchor="ctr"/>
-          <a:lstStyle/>
-          <a:p>
-            <a:pPr algn="ctr"/>
-            <a:r>
-              <a:rPr lang="ja-JP" altLang="en-US" sz="2400" b="1" dirty="0">
-                <a:solidFill>
-                  <a:schemeClr val="bg1"/>
-                </a:solidFill>
-              </a:rPr>
-              <a:t>ガス</a:t>
-            </a:r>
-            <a:r>
-              <a:rPr lang="en-US" altLang="ja-JP" sz="2400" b="1" dirty="0">
-                <a:solidFill>
-                  <a:schemeClr val="bg1"/>
-                </a:solidFill>
-              </a:rPr>
-              <a:t>@</a:t>
-            </a:r>
-            <a:r>
-              <a:rPr lang="ja-JP" altLang="en-US" sz="2400" b="1" dirty="0">
-                <a:solidFill>
-                  <a:schemeClr val="bg1"/>
-                </a:solidFill>
-              </a:rPr>
-              <a:t>貯留層</a:t>
-            </a:r>
-            <a:endParaRPr kumimoji="1" lang="ja-JP" altLang="en-US" sz="2400" b="1" dirty="0">
-              <a:solidFill>
-                <a:schemeClr val="bg1"/>
-              </a:solidFill>
-            </a:endParaRPr>
-          </a:p>
-        </p:txBody>
-      </p:sp>
-      <p:sp>
-        <p:nvSpPr>
-          <p:cNvPr id="5" name="テキスト ボックス 4">
-            <a:extLst>
-              <a:ext uri="{FF2B5EF4-FFF2-40B4-BE49-F238E27FC236}">
-                <a16:creationId xmlns:a16="http://schemas.microsoft.com/office/drawing/2014/main" id="{2E7C79F3-CA4B-4AE5-BE2C-CB5EEA8FD996}"/>
-              </a:ext>
-            </a:extLst>
-          </p:cNvPr>
-          <p:cNvSpPr txBox="1"/>
-          <p:nvPr/>
-        </p:nvSpPr>
-        <p:spPr>
-          <a:xfrm>
-            <a:off x="667726" y="1925148"/>
-            <a:ext cx="1645183" cy="369332"/>
-          </a:xfrm>
-          <a:prstGeom prst="rect">
-            <a:avLst/>
-          </a:prstGeom>
-          <a:noFill/>
-        </p:spPr>
-        <p:txBody>
-          <a:bodyPr wrap="square" rtlCol="0" anchor="ctr">
-            <a:spAutoFit/>
-          </a:bodyPr>
-          <a:lstStyle/>
-          <a:p>
-            <a:pPr algn="ctr"/>
-            <a:r>
-              <a:rPr kumimoji="1" lang="ja-JP" altLang="en-US" b="1" i="1" dirty="0">
-                <a:solidFill>
-                  <a:srgbClr val="70AD47"/>
-                </a:solidFill>
-                <a:latin typeface="Cambria Math" panose="02040503050406030204" pitchFamily="18" charset="0"/>
-              </a:rPr>
-              <a:t>コンデンセート</a:t>
-            </a:r>
-          </a:p>
-        </p:txBody>
-      </p:sp>
-      <p:cxnSp>
-        <p:nvCxnSpPr>
-          <p:cNvPr id="25" name="直線コネクタ 24">
-            <a:extLst>
-              <a:ext uri="{FF2B5EF4-FFF2-40B4-BE49-F238E27FC236}">
-                <a16:creationId xmlns:a16="http://schemas.microsoft.com/office/drawing/2014/main" id="{694E0668-3B64-4B6D-8543-FB41CA11701B}"/>
-              </a:ext>
-            </a:extLst>
-          </p:cNvPr>
-          <p:cNvCxnSpPr>
-            <a:cxnSpLocks/>
-          </p:cNvCxnSpPr>
-          <p:nvPr/>
-        </p:nvCxnSpPr>
-        <p:spPr>
-          <a:xfrm flipV="1">
-            <a:off x="909098" y="3213832"/>
-            <a:ext cx="10530766" cy="20205"/>
-          </a:xfrm>
-          <a:prstGeom prst="line">
-            <a:avLst/>
-          </a:prstGeom>
-          <a:ln w="38100">
-            <a:solidFill>
-              <a:schemeClr val="tx1">
-                <a:lumMod val="75000"/>
-                <a:lumOff val="25000"/>
-              </a:schemeClr>
-            </a:solidFill>
-            <a:headEnd type="none" w="med" len="med"/>
-            <a:tailEnd type="none" w="med" len="med"/>
-          </a:ln>
-        </p:spPr>
-        <p:style>
-          <a:lnRef idx="1">
-            <a:schemeClr val="accent1"/>
-          </a:lnRef>
-          <a:fillRef idx="0">
-            <a:schemeClr val="accent1"/>
-          </a:fillRef>
-          <a:effectRef idx="0">
-            <a:schemeClr val="accent1"/>
-          </a:effectRef>
-          <a:fontRef idx="minor">
-            <a:schemeClr val="tx1"/>
-          </a:fontRef>
-        </p:style>
-      </p:cxnSp>
-      <p:sp>
-        <p:nvSpPr>
-          <p:cNvPr id="26" name="正方形/長方形 25">
-            <a:extLst>
-              <a:ext uri="{FF2B5EF4-FFF2-40B4-BE49-F238E27FC236}">
-                <a16:creationId xmlns:a16="http://schemas.microsoft.com/office/drawing/2014/main" id="{A681D165-8DD6-4365-8FDE-6FB28B64E2B2}"/>
-              </a:ext>
-            </a:extLst>
-          </p:cNvPr>
-          <p:cNvSpPr/>
-          <p:nvPr/>
-        </p:nvSpPr>
-        <p:spPr>
-          <a:xfrm>
-            <a:off x="1492555" y="2255430"/>
-            <a:ext cx="1662371" cy="939558"/>
-          </a:xfrm>
-          <a:prstGeom prst="rect">
-            <a:avLst/>
-          </a:prstGeom>
-          <a:solidFill>
-            <a:schemeClr val="accent6"/>
-          </a:solidFill>
-          <a:ln w="19050">
-            <a:noFill/>
-            <a:headEnd type="none" w="med" len="med"/>
-            <a:tailEnd type="none" w="med" len="med"/>
-          </a:ln>
-        </p:spPr>
-        <p:style>
-          <a:lnRef idx="1">
-            <a:schemeClr val="accent1"/>
-          </a:lnRef>
-          <a:fillRef idx="0">
-            <a:schemeClr val="accent1"/>
-          </a:fillRef>
-          <a:effectRef idx="0">
-            <a:schemeClr val="accent1"/>
-          </a:effectRef>
-          <a:fontRef idx="minor">
-            <a:schemeClr val="tx1"/>
-          </a:fontRef>
-        </p:style>
-        <p:txBody>
-          <a:bodyPr rtlCol="0" anchor="ctr"/>
-          <a:lstStyle/>
-          <a:p>
-            <a:pPr algn="ctr"/>
-            <a:r>
-              <a:rPr lang="ja-JP" altLang="en-US" sz="2400" b="1" dirty="0">
-                <a:solidFill>
-                  <a:schemeClr val="bg1"/>
-                </a:solidFill>
-              </a:rPr>
-              <a:t>油</a:t>
-            </a:r>
-            <a:r>
-              <a:rPr kumimoji="1" lang="en-US" altLang="ja-JP" sz="2400" b="1" dirty="0">
-                <a:solidFill>
-                  <a:schemeClr val="bg1"/>
-                </a:solidFill>
-              </a:rPr>
-              <a:t>@</a:t>
-            </a:r>
-            <a:r>
-              <a:rPr lang="ja-JP" altLang="en-US" sz="2400" b="1" dirty="0">
-                <a:solidFill>
-                  <a:schemeClr val="bg1"/>
-                </a:solidFill>
-              </a:rPr>
-              <a:t>地表</a:t>
-            </a:r>
-            <a:endParaRPr kumimoji="1" lang="ja-JP" altLang="en-US" sz="2400" b="1" dirty="0">
-              <a:solidFill>
-                <a:schemeClr val="bg1"/>
-              </a:solidFill>
-            </a:endParaRPr>
-          </a:p>
-        </p:txBody>
-      </p:sp>
-      <p:sp>
-        <p:nvSpPr>
-          <p:cNvPr id="27" name="正方形/長方形 26">
-            <a:extLst>
-              <a:ext uri="{FF2B5EF4-FFF2-40B4-BE49-F238E27FC236}">
-                <a16:creationId xmlns:a16="http://schemas.microsoft.com/office/drawing/2014/main" id="{433DAD3A-C836-43A5-BBF3-383D477FCC7F}"/>
-              </a:ext>
-            </a:extLst>
-          </p:cNvPr>
-          <p:cNvSpPr/>
-          <p:nvPr/>
-        </p:nvSpPr>
-        <p:spPr>
-          <a:xfrm>
-            <a:off x="3264751" y="2255430"/>
-            <a:ext cx="2556153" cy="939558"/>
-          </a:xfrm>
-          <a:prstGeom prst="rect">
-            <a:avLst/>
-          </a:prstGeom>
-          <a:solidFill>
-            <a:schemeClr val="accent2"/>
-          </a:solidFill>
-          <a:ln w="19050">
-            <a:noFill/>
-            <a:headEnd type="none" w="med" len="med"/>
-            <a:tailEnd type="none" w="med" len="med"/>
-          </a:ln>
-        </p:spPr>
-        <p:style>
-          <a:lnRef idx="1">
-            <a:schemeClr val="accent1"/>
-          </a:lnRef>
-          <a:fillRef idx="0">
-            <a:schemeClr val="accent1"/>
-          </a:fillRef>
-          <a:effectRef idx="0">
-            <a:schemeClr val="accent1"/>
-          </a:effectRef>
-          <a:fontRef idx="minor">
-            <a:schemeClr val="tx1"/>
-          </a:fontRef>
-        </p:style>
-        <p:txBody>
-          <a:bodyPr rtlCol="0" anchor="ctr"/>
-          <a:lstStyle/>
-          <a:p>
-            <a:pPr algn="ctr"/>
-            <a:r>
-              <a:rPr lang="ja-JP" altLang="en-US" sz="2400" b="1" dirty="0">
-                <a:solidFill>
-                  <a:schemeClr val="bg1"/>
-                </a:solidFill>
-              </a:rPr>
-              <a:t>ガス</a:t>
-            </a:r>
-            <a:r>
-              <a:rPr lang="en-US" altLang="ja-JP" sz="2400" b="1" dirty="0">
-                <a:solidFill>
-                  <a:schemeClr val="bg1"/>
-                </a:solidFill>
-              </a:rPr>
-              <a:t>@</a:t>
-            </a:r>
-            <a:r>
-              <a:rPr lang="ja-JP" altLang="en-US" sz="2400" b="1" dirty="0">
-                <a:solidFill>
-                  <a:schemeClr val="bg1"/>
-                </a:solidFill>
-              </a:rPr>
-              <a:t>地表</a:t>
-            </a:r>
-            <a:endParaRPr kumimoji="1" lang="ja-JP" altLang="en-US" sz="2400" b="1" dirty="0">
-              <a:solidFill>
-                <a:schemeClr val="bg1"/>
-              </a:solidFill>
-            </a:endParaRPr>
-          </a:p>
-        </p:txBody>
-      </p:sp>
-      <mc:AlternateContent xmlns:mc="http://schemas.openxmlformats.org/markup-compatibility/2006" xmlns:a14="http://schemas.microsoft.com/office/drawing/2010/main">
-        <mc:Choice Requires="a14">
-          <p:sp>
-            <p:nvSpPr>
-              <p:cNvPr id="28" name="テキスト ボックス 27">
-                <a:extLst>
-                  <a:ext uri="{FF2B5EF4-FFF2-40B4-BE49-F238E27FC236}">
-                    <a16:creationId xmlns:a16="http://schemas.microsoft.com/office/drawing/2014/main" id="{0EE1BC58-29B4-425B-ADB1-DB2251E321A4}"/>
-                  </a:ext>
-                </a:extLst>
-              </p:cNvPr>
-              <p:cNvSpPr txBox="1"/>
-              <p:nvPr/>
-            </p:nvSpPr>
-            <p:spPr>
-              <a:xfrm>
-                <a:off x="796535" y="4630849"/>
-                <a:ext cx="1929033" cy="491738"/>
-              </a:xfrm>
-              <a:prstGeom prst="rect">
-                <a:avLst/>
-              </a:prstGeom>
-              <a:noFill/>
-            </p:spPr>
-            <p:txBody>
-              <a:bodyPr wrap="square" rtlCol="0" anchor="ctr">
-                <a:spAutoFit/>
-              </a:bodyPr>
-              <a:lstStyle/>
-              <a:p>
-                <a:pPr algn="ctr"/>
-                <a14:m>
-                  <m:oMathPara xmlns:m="http://schemas.openxmlformats.org/officeDocument/2006/math">
-                    <m:oMathParaPr>
-                      <m:jc m:val="centerGroup"/>
-                    </m:oMathParaPr>
-                    <m:oMath xmlns:m="http://schemas.openxmlformats.org/officeDocument/2006/math">
-                      <m:sSub>
-                        <m:sSubPr>
-                          <m:ctrlPr>
-                            <a:rPr kumimoji="1" lang="en-US" altLang="ja-JP" sz="2400" b="0" i="1" smtClean="0">
-                              <a:latin typeface="Cambria Math" panose="02040503050406030204" pitchFamily="18" charset="0"/>
-                            </a:rPr>
-                          </m:ctrlPr>
-                        </m:sSubPr>
-                        <m:e>
-                          <m:r>
-                            <a:rPr kumimoji="1" lang="en-US" altLang="ja-JP" sz="2400" b="0" i="1" smtClean="0">
-                              <a:latin typeface="Cambria Math" panose="02040503050406030204" pitchFamily="18" charset="0"/>
-                            </a:rPr>
-                            <m:t>𝐵</m:t>
-                          </m:r>
-                        </m:e>
-                        <m:sub>
-                          <m:r>
-                            <a:rPr kumimoji="1" lang="en-US" altLang="ja-JP" sz="2400" b="0" i="1" smtClean="0">
-                              <a:latin typeface="Cambria Math" panose="02040503050406030204" pitchFamily="18" charset="0"/>
-                            </a:rPr>
-                            <m:t>𝑔</m:t>
-                          </m:r>
-                        </m:sub>
-                      </m:sSub>
-                      <m:r>
-                        <a:rPr kumimoji="1" lang="en-US" altLang="ja-JP" sz="2400" b="0" i="1" smtClean="0">
-                          <a:latin typeface="Cambria Math" panose="02040503050406030204" pitchFamily="18" charset="0"/>
-                        </a:rPr>
-                        <m:t>=</m:t>
-                      </m:r>
-                    </m:oMath>
-                  </m:oMathPara>
-                </a14:m>
-                <a:endParaRPr kumimoji="1" lang="ja-JP" altLang="en-US" sz="2400" dirty="0">
-                  <a:solidFill>
-                    <a:srgbClr val="404040"/>
-                  </a:solidFill>
-                  <a:latin typeface="+mj-lt"/>
-                </a:endParaRPr>
-              </a:p>
-            </p:txBody>
-          </p:sp>
-        </mc:Choice>
-        <mc:Fallback xmlns="">
-          <p:sp>
-            <p:nvSpPr>
-              <p:cNvPr id="28" name="テキスト ボックス 27">
-                <a:extLst>
-                  <a:ext uri="{FF2B5EF4-FFF2-40B4-BE49-F238E27FC236}">
-                    <a16:creationId xmlns:a16="http://schemas.microsoft.com/office/drawing/2014/main" id="{0EE1BC58-29B4-425B-ADB1-DB2251E321A4}"/>
-                  </a:ext>
-                </a:extLst>
-              </p:cNvPr>
-              <p:cNvSpPr txBox="1">
-                <a:spLocks noRot="1" noChangeAspect="1" noMove="1" noResize="1" noEditPoints="1" noAdjustHandles="1" noChangeArrowheads="1" noChangeShapeType="1" noTextEdit="1"/>
-              </p:cNvSpPr>
-              <p:nvPr/>
-            </p:nvSpPr>
-            <p:spPr>
-              <a:xfrm>
-                <a:off x="796535" y="4630849"/>
-                <a:ext cx="1929033" cy="491738"/>
-              </a:xfrm>
-              <a:prstGeom prst="rect">
-                <a:avLst/>
-              </a:prstGeom>
-              <a:blipFill>
-                <a:blip r:embed="rId4"/>
-                <a:stretch>
-                  <a:fillRect b="-8750"/>
-                </a:stretch>
-              </a:blipFill>
-            </p:spPr>
-            <p:txBody>
-              <a:bodyPr/>
-              <a:lstStyle/>
-              <a:p>
-                <a:r>
-                  <a:rPr lang="ja-JP" altLang="en-US">
-                    <a:noFill/>
-                  </a:rPr>
-                  <a:t> </a:t>
-                </a:r>
-              </a:p>
-            </p:txBody>
-          </p:sp>
-        </mc:Fallback>
-      </mc:AlternateContent>
-      <p:cxnSp>
-        <p:nvCxnSpPr>
-          <p:cNvPr id="29" name="直線コネクタ 28">
-            <a:extLst>
-              <a:ext uri="{FF2B5EF4-FFF2-40B4-BE49-F238E27FC236}">
-                <a16:creationId xmlns:a16="http://schemas.microsoft.com/office/drawing/2014/main" id="{AEF0FB9C-6E85-4076-9AAC-CF6EEF001851}"/>
-              </a:ext>
-            </a:extLst>
-          </p:cNvPr>
-          <p:cNvCxnSpPr>
-            <a:cxnSpLocks/>
-          </p:cNvCxnSpPr>
-          <p:nvPr/>
-        </p:nvCxnSpPr>
-        <p:spPr>
-          <a:xfrm>
-            <a:off x="2293674" y="4876175"/>
-            <a:ext cx="3768472" cy="0"/>
-          </a:xfrm>
-          <a:prstGeom prst="line">
-            <a:avLst/>
-          </a:prstGeom>
-          <a:ln w="28575">
-            <a:solidFill>
-              <a:schemeClr val="tx1">
-                <a:lumMod val="75000"/>
-                <a:lumOff val="25000"/>
-              </a:schemeClr>
-            </a:solidFill>
-            <a:headEnd type="none" w="med" len="med"/>
-            <a:tailEnd type="none" w="med" len="med"/>
-          </a:ln>
-        </p:spPr>
-        <p:style>
-          <a:lnRef idx="1">
-            <a:schemeClr val="accent1"/>
-          </a:lnRef>
-          <a:fillRef idx="0">
-            <a:schemeClr val="accent1"/>
-          </a:fillRef>
-          <a:effectRef idx="0">
-            <a:schemeClr val="accent1"/>
-          </a:effectRef>
-          <a:fontRef idx="minor">
-            <a:schemeClr val="tx1"/>
-          </a:fontRef>
-        </p:style>
-      </p:cxnSp>
-      <p:sp>
-        <p:nvSpPr>
-          <p:cNvPr id="30" name="正方形/長方形 29">
-            <a:extLst>
-              <a:ext uri="{FF2B5EF4-FFF2-40B4-BE49-F238E27FC236}">
-                <a16:creationId xmlns:a16="http://schemas.microsoft.com/office/drawing/2014/main" id="{6E11BAE3-8AA4-443E-ACD4-6639B3C68EBA}"/>
-              </a:ext>
-            </a:extLst>
-          </p:cNvPr>
-          <p:cNvSpPr/>
-          <p:nvPr/>
-        </p:nvSpPr>
-        <p:spPr>
-          <a:xfrm>
-            <a:off x="3156082" y="5004648"/>
-            <a:ext cx="2043657" cy="939558"/>
-          </a:xfrm>
-          <a:prstGeom prst="rect">
-            <a:avLst/>
-          </a:prstGeom>
-          <a:solidFill>
-            <a:schemeClr val="accent2"/>
-          </a:solidFill>
-          <a:ln w="19050">
-            <a:noFill/>
-            <a:headEnd type="none" w="med" len="med"/>
-            <a:tailEnd type="none" w="med" len="med"/>
-          </a:ln>
-        </p:spPr>
-        <p:style>
-          <a:lnRef idx="1">
-            <a:schemeClr val="accent1"/>
-          </a:lnRef>
-          <a:fillRef idx="0">
-            <a:schemeClr val="accent1"/>
-          </a:fillRef>
-          <a:effectRef idx="0">
-            <a:schemeClr val="accent1"/>
-          </a:effectRef>
-          <a:fontRef idx="minor">
-            <a:schemeClr val="tx1"/>
-          </a:fontRef>
-        </p:style>
-        <p:txBody>
-          <a:bodyPr rtlCol="0" anchor="ctr"/>
-          <a:lstStyle/>
-          <a:p>
-            <a:pPr algn="ctr"/>
-            <a:r>
-              <a:rPr kumimoji="1" lang="ja-JP" altLang="en-US" sz="2400" b="1" dirty="0">
-                <a:solidFill>
-                  <a:schemeClr val="bg1"/>
-                </a:solidFill>
-              </a:rPr>
-              <a:t>ガス</a:t>
-            </a:r>
-            <a:r>
-              <a:rPr kumimoji="1" lang="en-US" altLang="ja-JP" sz="2400" b="1" dirty="0">
-                <a:solidFill>
-                  <a:schemeClr val="bg1"/>
-                </a:solidFill>
-              </a:rPr>
-              <a:t>@</a:t>
-            </a:r>
-            <a:r>
-              <a:rPr kumimoji="1" lang="ja-JP" altLang="en-US" sz="2400" b="1" dirty="0">
-                <a:solidFill>
-                  <a:schemeClr val="bg1"/>
-                </a:solidFill>
-              </a:rPr>
-              <a:t>貯留層</a:t>
-            </a:r>
-          </a:p>
-        </p:txBody>
-      </p:sp>
-      <p:sp>
-        <p:nvSpPr>
-          <p:cNvPr id="31" name="正方形/長方形 30">
-            <a:extLst>
-              <a:ext uri="{FF2B5EF4-FFF2-40B4-BE49-F238E27FC236}">
-                <a16:creationId xmlns:a16="http://schemas.microsoft.com/office/drawing/2014/main" id="{CEF3A8A0-9C75-4ED9-83D7-A688383B8BBC}"/>
-              </a:ext>
-            </a:extLst>
-          </p:cNvPr>
-          <p:cNvSpPr/>
-          <p:nvPr/>
-        </p:nvSpPr>
-        <p:spPr>
-          <a:xfrm>
-            <a:off x="2293675" y="3808145"/>
-            <a:ext cx="3768471" cy="939558"/>
-          </a:xfrm>
-          <a:prstGeom prst="rect">
-            <a:avLst/>
-          </a:prstGeom>
-          <a:solidFill>
-            <a:schemeClr val="accent2"/>
-          </a:solidFill>
-          <a:ln w="19050">
-            <a:noFill/>
-            <a:headEnd type="none" w="med" len="med"/>
-            <a:tailEnd type="none" w="med" len="med"/>
-          </a:ln>
-        </p:spPr>
-        <p:style>
-          <a:lnRef idx="1">
-            <a:schemeClr val="accent1"/>
-          </a:lnRef>
-          <a:fillRef idx="0">
-            <a:schemeClr val="accent1"/>
-          </a:fillRef>
-          <a:effectRef idx="0">
-            <a:schemeClr val="accent1"/>
-          </a:effectRef>
-          <a:fontRef idx="minor">
-            <a:schemeClr val="tx1"/>
-          </a:fontRef>
-        </p:style>
-        <p:txBody>
-          <a:bodyPr rtlCol="0" anchor="ctr"/>
-          <a:lstStyle/>
-          <a:p>
-            <a:pPr algn="ctr"/>
-            <a:r>
-              <a:rPr kumimoji="1" lang="ja-JP" altLang="en-US" sz="2400" b="1" dirty="0">
-                <a:solidFill>
-                  <a:schemeClr val="bg1"/>
-                </a:solidFill>
-              </a:rPr>
-              <a:t>ガス</a:t>
-            </a:r>
-            <a:r>
-              <a:rPr kumimoji="1" lang="en-US" altLang="ja-JP" sz="2400" b="1" dirty="0">
-                <a:solidFill>
-                  <a:schemeClr val="bg1"/>
-                </a:solidFill>
-              </a:rPr>
-              <a:t>@</a:t>
-            </a:r>
-            <a:r>
-              <a:rPr lang="ja-JP" altLang="en-US" sz="2400" b="1" dirty="0">
-                <a:solidFill>
-                  <a:schemeClr val="bg1"/>
-                </a:solidFill>
-              </a:rPr>
-              <a:t>地表</a:t>
-            </a:r>
-            <a:endParaRPr kumimoji="1" lang="ja-JP" altLang="en-US" sz="2400" b="1" dirty="0">
-              <a:solidFill>
-                <a:schemeClr val="bg1"/>
-              </a:solidFill>
-            </a:endParaRPr>
-          </a:p>
-        </p:txBody>
-      </p:sp>
-    </p:spTree>
-    <p:extLst>
-      <p:ext uri="{BB962C8B-B14F-4D97-AF65-F5344CB8AC3E}">
-        <p14:creationId xmlns:p14="http://schemas.microsoft.com/office/powerpoint/2010/main" val="282841257"/>
-      </p:ext>
-    </p:extLst>
-  </p:cSld>
-  <p:clrMapOvr>
-    <a:masterClrMapping/>
-  </p:clrMapOvr>
-</p:sld>
-</file>
-
-<file path=ppt/slides/slide11.xml><?xml version="1.0" encoding="utf-8"?>
-<p:sld xmlns:a="http://schemas.openxmlformats.org/drawingml/2006/main" xmlns:r="http://schemas.openxmlformats.org/officeDocument/2006/relationships" xmlns:p="http://schemas.openxmlformats.org/presentationml/2006/main">
-  <p:cSld>
-    <p:spTree>
-      <p:nvGrpSpPr>
-        <p:cNvPr id="1" name=""/>
-        <p:cNvGrpSpPr/>
-        <p:nvPr/>
-      </p:nvGrpSpPr>
-      <p:grpSpPr>
-        <a:xfrm>
-          <a:off x="0" y="0"/>
-          <a:ext cx="0" cy="0"/>
-          <a:chOff x="0" y="0"/>
-          <a:chExt cx="0" cy="0"/>
-        </a:xfrm>
-      </p:grpSpPr>
       <p:pic>
         <p:nvPicPr>
           <p:cNvPr id="11" name="コンテンツ プレースホルダー 10">
@@ -5429,7 +4171,7 @@
 </p:sld>
 </file>
 
-<file path=ppt/slides/slide12.xml><?xml version="1.0" encoding="utf-8"?>
+<file path=ppt/slides/slide11.xml><?xml version="1.0" encoding="utf-8"?>
 <p:sld xmlns:a="http://schemas.openxmlformats.org/drawingml/2006/main" xmlns:r="http://schemas.openxmlformats.org/officeDocument/2006/relationships" xmlns:p="http://schemas.openxmlformats.org/presentationml/2006/main">
   <p:cSld>
     <p:spTree>
@@ -6404,7 +5146,7 @@
 </p:sld>
 </file>
 
-<file path=ppt/slides/slide13.xml><?xml version="1.0" encoding="utf-8"?>
+<file path=ppt/slides/slide12.xml><?xml version="1.0" encoding="utf-8"?>
 <p:sld xmlns:a="http://schemas.openxmlformats.org/drawingml/2006/main" xmlns:r="http://schemas.openxmlformats.org/officeDocument/2006/relationships" xmlns:p="http://schemas.openxmlformats.org/presentationml/2006/main">
   <p:cSld>
     <p:spTree>
@@ -6638,7 +5380,7 @@
 </p:sld>
 </file>
 
-<file path=ppt/slides/slide14.xml><?xml version="1.0" encoding="utf-8"?>
+<file path=ppt/slides/slide13.xml><?xml version="1.0" encoding="utf-8"?>
 <p:sld xmlns:a="http://schemas.openxmlformats.org/drawingml/2006/main" xmlns:r="http://schemas.openxmlformats.org/officeDocument/2006/relationships" xmlns:p="http://schemas.openxmlformats.org/presentationml/2006/main">
   <p:cSld>
     <p:spTree>
@@ -7052,7 +5794,7 @@
 </p:sld>
 </file>
 
-<file path=ppt/slides/slide15.xml><?xml version="1.0" encoding="utf-8"?>
+<file path=ppt/slides/slide14.xml><?xml version="1.0" encoding="utf-8"?>
 <p:sld xmlns:a="http://schemas.openxmlformats.org/drawingml/2006/main" xmlns:r="http://schemas.openxmlformats.org/officeDocument/2006/relationships" xmlns:p="http://schemas.openxmlformats.org/presentationml/2006/main">
   <p:cSld>
     <p:spTree>
@@ -7966,7 +6708,7 @@
 </p:sld>
 </file>
 
-<file path=ppt/slides/slide16.xml><?xml version="1.0" encoding="utf-8"?>
+<file path=ppt/slides/slide15.xml><?xml version="1.0" encoding="utf-8"?>
 <p:sld xmlns:a="http://schemas.openxmlformats.org/drawingml/2006/main" xmlns:r="http://schemas.openxmlformats.org/officeDocument/2006/relationships" xmlns:p="http://schemas.openxmlformats.org/presentationml/2006/main">
   <p:cSld>
     <p:spTree>
@@ -8447,7 +7189,7 @@
 </p:sld>
 </file>
 
-<file path=ppt/slides/slide17.xml><?xml version="1.0" encoding="utf-8"?>
+<file path=ppt/slides/slide16.xml><?xml version="1.0" encoding="utf-8"?>
 <p:sld xmlns:a="http://schemas.openxmlformats.org/drawingml/2006/main" xmlns:r="http://schemas.openxmlformats.org/officeDocument/2006/relationships" xmlns:p="http://schemas.openxmlformats.org/presentationml/2006/main">
   <p:cSld>
     <p:spTree>
@@ -10692,8 +9434,8 @@
           <a:chExt cx="0" cy="0"/>
         </a:xfrm>
       </p:grpSpPr>
-      <mc:AlternateContent xmlns:mc="http://schemas.openxmlformats.org/markup-compatibility/2006" xmlns:a14="http://schemas.microsoft.com/office/drawing/2010/main">
-        <mc:Choice Requires="a14">
+      <mc:AlternateContent xmlns:mc="http://schemas.openxmlformats.org/markup-compatibility/2006">
+        <mc:Choice xmlns:a14="http://schemas.microsoft.com/office/drawing/2010/main" Requires="a14">
           <p:sp>
             <p:nvSpPr>
               <p:cNvPr id="2" name="コンテンツ プレースホルダー 1">
@@ -10724,9 +9466,71 @@
                 </a:pPr>
                 <a:r>
                   <a:rPr kumimoji="1" lang="ja-JP" altLang="en-US" sz="2800" dirty="0"/>
-                  <a:t>水の質量保存則</a:t>
+                  <a:t>水</a:t>
                 </a:r>
-                <a:endParaRPr kumimoji="1" lang="en-US" altLang="ja-JP" sz="2800" dirty="0"/>
+                <a:r>
+                  <a:rPr kumimoji="1" lang="ja-JP" altLang="en-US" sz="2800" dirty="0">
+                    <a:solidFill>
+                      <a:schemeClr val="tx1">
+                        <a:lumMod val="75000"/>
+                        <a:lumOff val="25000"/>
+                      </a:schemeClr>
+                    </a:solidFill>
+                  </a:rPr>
+                  <a:t>の質量保存則→質量の時間変化＝流出</a:t>
+                </a:r>
+                <a:r>
+                  <a:rPr kumimoji="1" lang="en-US" altLang="ja-JP" sz="2800" dirty="0">
+                    <a:solidFill>
+                      <a:schemeClr val="tx1">
+                        <a:lumMod val="75000"/>
+                        <a:lumOff val="25000"/>
+                      </a:schemeClr>
+                    </a:solidFill>
+                  </a:rPr>
+                  <a:t>-</a:t>
+                </a:r>
+                <a:r>
+                  <a:rPr kumimoji="1" lang="ja-JP" altLang="en-US" sz="2800" dirty="0">
+                    <a:solidFill>
+                      <a:schemeClr val="tx1">
+                        <a:lumMod val="75000"/>
+                        <a:lumOff val="25000"/>
+                      </a:schemeClr>
+                    </a:solidFill>
+                  </a:rPr>
+                  <a:t>流入</a:t>
+                </a:r>
+                <a:r>
+                  <a:rPr kumimoji="1" lang="en-US" altLang="ja-JP" sz="2800" dirty="0">
+                    <a:solidFill>
+                      <a:schemeClr val="tx1">
+                        <a:lumMod val="75000"/>
+                        <a:lumOff val="25000"/>
+                      </a:schemeClr>
+                    </a:solidFill>
+                  </a:rPr>
+                  <a:t>+</a:t>
+                </a:r>
+                <a:r>
+                  <a:rPr kumimoji="1" lang="ja-JP" altLang="en-US" sz="2800" dirty="0">
+                    <a:solidFill>
+                      <a:schemeClr val="tx1">
+                        <a:lumMod val="75000"/>
+                        <a:lumOff val="25000"/>
+                      </a:schemeClr>
+                    </a:solidFill>
+                  </a:rPr>
+                  <a:t>生成消失</a:t>
+                </a:r>
+                <a:endParaRPr kumimoji="1" lang="en-US" altLang="ja-JP" sz="2800" dirty="0">
+                  <a:solidFill>
+                    <a:schemeClr val="tx1">
+                      <a:lumMod val="75000"/>
+                      <a:lumOff val="25000"/>
+                    </a:schemeClr>
+                  </a:solidFill>
+                </a:endParaRPr>
               </a:p>
               <a:p>
                 <a:pPr marL="0" indent="0">
@@ -10742,6 +9546,12 @@
                         <m:fPr>
                           <m:ctrlPr>
                             <a:rPr lang="en-US" altLang="ja-JP" sz="2800" i="1">
+                              <a:solidFill>
+                                <a:schemeClr val="tx1">
+                                  <a:lumMod val="75000"/>
+                                  <a:lumOff val="25000"/>
+                                </a:schemeClr>
+                              </a:solidFill>
                               <a:latin typeface="Cambria Math" panose="02040503050406030204" pitchFamily="18" charset="0"/>
                             </a:rPr>
                           </m:ctrlPr>
@@ -10749,6 +9559,12 @@
                         <m:num>
                           <m:r>
                             <a:rPr lang="ja-JP" altLang="en-US" sz="2800" i="1">
+                              <a:solidFill>
+                                <a:schemeClr val="tx1">
+                                  <a:lumMod val="75000"/>
+                                  <a:lumOff val="25000"/>
+                                </a:schemeClr>
+                              </a:solidFill>
                               <a:latin typeface="Cambria Math" panose="02040503050406030204" pitchFamily="18" charset="0"/>
                             </a:rPr>
                             <m:t>𝜕</m:t>
@@ -10757,12 +9573,24 @@
                         <m:den>
                           <m:r>
                             <a:rPr lang="ja-JP" altLang="en-US" sz="2800" i="1">
+                              <a:solidFill>
+                                <a:schemeClr val="tx1">
+                                  <a:lumMod val="75000"/>
+                                  <a:lumOff val="25000"/>
+                                </a:schemeClr>
+                              </a:solidFill>
                               <a:latin typeface="Cambria Math" panose="02040503050406030204" pitchFamily="18" charset="0"/>
                             </a:rPr>
                             <m:t>𝜕</m:t>
                           </m:r>
                           <m:r>
                             <a:rPr lang="en-US" altLang="ja-JP" sz="2800" i="1">
+                              <a:solidFill>
+                                <a:schemeClr val="tx1">
+                                  <a:lumMod val="75000"/>
+                                  <a:lumOff val="25000"/>
+                                </a:schemeClr>
+                              </a:solidFill>
                               <a:latin typeface="Cambria Math" panose="02040503050406030204" pitchFamily="18" charset="0"/>
                             </a:rPr>
                             <m:t>𝑡</m:t>
@@ -10773,6 +9601,12 @@
                         <m:sSubSupPr>
                           <m:ctrlPr>
                             <a:rPr lang="en-US" altLang="ja-JP" sz="2800" i="1">
+                              <a:solidFill>
+                                <a:schemeClr val="tx1">
+                                  <a:lumMod val="75000"/>
+                                  <a:lumOff val="25000"/>
+                                </a:schemeClr>
+                              </a:solidFill>
                               <a:latin typeface="Cambria Math" panose="02040503050406030204" pitchFamily="18" charset="0"/>
                             </a:rPr>
                           </m:ctrlPr>
@@ -10780,6 +9614,12 @@
                         <m:e>
                           <m:r>
                             <a:rPr lang="ja-JP" altLang="en-US" sz="2800" i="1">
+                              <a:solidFill>
+                                <a:schemeClr val="tx1">
+                                  <a:lumMod val="75000"/>
+                                  <a:lumOff val="25000"/>
+                                </a:schemeClr>
+                              </a:solidFill>
                               <a:latin typeface="Cambria Math" panose="02040503050406030204" pitchFamily="18" charset="0"/>
                             </a:rPr>
                             <m:t>𝜌</m:t>
@@ -10788,6 +9628,12 @@
                         <m:sub>
                           <m:r>
                             <a:rPr lang="en-US" altLang="ja-JP" sz="2800" b="0" i="1" smtClean="0">
+                              <a:solidFill>
+                                <a:schemeClr val="tx1">
+                                  <a:lumMod val="75000"/>
+                                  <a:lumOff val="25000"/>
+                                </a:schemeClr>
+                              </a:solidFill>
                               <a:latin typeface="Cambria Math" panose="02040503050406030204" pitchFamily="18" charset="0"/>
                             </a:rPr>
                             <m:t>𝑤</m:t>
@@ -10796,6 +9642,12 @@
                         <m:sup>
                           <m:r>
                             <a:rPr lang="en-US" altLang="ja-JP" sz="2800" i="1">
+                              <a:solidFill>
+                                <a:schemeClr val="tx1">
+                                  <a:lumMod val="75000"/>
+                                  <a:lumOff val="25000"/>
+                                </a:schemeClr>
+                              </a:solidFill>
                               <a:latin typeface="Cambria Math" panose="02040503050406030204" pitchFamily="18" charset="0"/>
                             </a:rPr>
                             <m:t>𝑅𝐶</m:t>
@@ -10804,6 +9656,12 @@
                       </m:sSubSup>
                       <m:r>
                         <a:rPr lang="ja-JP" altLang="en-US" sz="2800" i="1">
+                          <a:solidFill>
+                            <a:schemeClr val="tx1">
+                              <a:lumMod val="75000"/>
+                              <a:lumOff val="25000"/>
+                            </a:schemeClr>
+                          </a:solidFill>
                           <a:latin typeface="Cambria Math" panose="02040503050406030204" pitchFamily="18" charset="0"/>
                         </a:rPr>
                         <m:t>𝜙</m:t>
@@ -10812,6 +9670,12 @@
                         <m:sSubPr>
                           <m:ctrlPr>
                             <a:rPr lang="en-US" altLang="ja-JP" sz="2800" i="1">
+                              <a:solidFill>
+                                <a:schemeClr val="tx1">
+                                  <a:lumMod val="75000"/>
+                                  <a:lumOff val="25000"/>
+                                </a:schemeClr>
+                              </a:solidFill>
                               <a:latin typeface="Cambria Math" panose="02040503050406030204" pitchFamily="18" charset="0"/>
                             </a:rPr>
                           </m:ctrlPr>
@@ -10819,6 +9683,12 @@
                         <m:e>
                           <m:r>
                             <a:rPr lang="en-US" altLang="ja-JP" sz="2800" i="1">
+                              <a:solidFill>
+                                <a:schemeClr val="tx1">
+                                  <a:lumMod val="75000"/>
+                                  <a:lumOff val="25000"/>
+                                </a:schemeClr>
+                              </a:solidFill>
                               <a:latin typeface="Cambria Math" panose="02040503050406030204" pitchFamily="18" charset="0"/>
                             </a:rPr>
                             <m:t>𝑆</m:t>
@@ -10827,6 +9697,12 @@
                         <m:sub>
                           <m:r>
                             <a:rPr lang="en-US" altLang="ja-JP" sz="2800" i="1">
+                              <a:solidFill>
+                                <a:schemeClr val="tx1">
+                                  <a:lumMod val="75000"/>
+                                  <a:lumOff val="25000"/>
+                                </a:schemeClr>
+                              </a:solidFill>
                               <a:latin typeface="Cambria Math" panose="02040503050406030204" pitchFamily="18" charset="0"/>
                             </a:rPr>
                             <m:t>𝑤</m:t>
@@ -10836,7 +9712,10 @@
                       <m:r>
                         <a:rPr kumimoji="1" lang="en-US" altLang="ja-JP" sz="2800" i="1" smtClean="0">
                           <a:solidFill>
-                            <a:schemeClr val="tx1"/>
+                            <a:schemeClr val="tx1">
+                              <a:lumMod val="75000"/>
+                              <a:lumOff val="25000"/>
+                            </a:schemeClr>
                           </a:solidFill>
                           <a:latin typeface="Cambria Math" panose="02040503050406030204" pitchFamily="18" charset="0"/>
                           <a:ea typeface="Cambria Math" panose="02040503050406030204" pitchFamily="18" charset="0"/>
@@ -10846,7 +9725,10 @@
                       <m:r>
                         <a:rPr kumimoji="1" lang="en-US" altLang="ja-JP" sz="2800" b="0" i="1" smtClean="0">
                           <a:solidFill>
-                            <a:schemeClr val="tx1"/>
+                            <a:schemeClr val="tx1">
+                              <a:lumMod val="75000"/>
+                              <a:lumOff val="25000"/>
+                            </a:schemeClr>
                           </a:solidFill>
                           <a:latin typeface="Cambria Math" panose="02040503050406030204" pitchFamily="18" charset="0"/>
                           <a:ea typeface="Cambria Math" panose="02040503050406030204" pitchFamily="18" charset="0"/>
@@ -10859,7 +9741,10 @@
                         </m:rPr>
                         <a:rPr kumimoji="1" lang="en-US" altLang="ja-JP" sz="2800" i="1" smtClean="0">
                           <a:solidFill>
-                            <a:schemeClr val="tx1"/>
+                            <a:schemeClr val="tx1">
+                              <a:lumMod val="75000"/>
+                              <a:lumOff val="25000"/>
+                            </a:schemeClr>
                           </a:solidFill>
                           <a:latin typeface="Cambria Math" panose="02040503050406030204" pitchFamily="18" charset="0"/>
                           <a:ea typeface="Cambria Math" panose="02040503050406030204" pitchFamily="18" charset="0"/>
@@ -10869,7 +9754,10 @@
                       <m:r>
                         <a:rPr lang="en-US" altLang="ja-JP" sz="2800" i="1">
                           <a:solidFill>
-                            <a:schemeClr val="tx1"/>
+                            <a:schemeClr val="tx1">
+                              <a:lumMod val="75000"/>
+                              <a:lumOff val="25000"/>
+                            </a:schemeClr>
                           </a:solidFill>
                           <a:latin typeface="Cambria Math" panose="02040503050406030204" pitchFamily="18" charset="0"/>
                           <a:ea typeface="Cambria Math" panose="02040503050406030204" pitchFamily="18" charset="0"/>
@@ -10880,6 +9768,12 @@
                         <m:sSubSupPr>
                           <m:ctrlPr>
                             <a:rPr lang="en-US" altLang="ja-JP" sz="2800" i="1">
+                              <a:solidFill>
+                                <a:schemeClr val="tx1">
+                                  <a:lumMod val="75000"/>
+                                  <a:lumOff val="25000"/>
+                                </a:schemeClr>
+                              </a:solidFill>
                               <a:latin typeface="Cambria Math" panose="02040503050406030204" pitchFamily="18" charset="0"/>
                             </a:rPr>
                           </m:ctrlPr>
@@ -10887,6 +9781,12 @@
                         <m:e>
                           <m:r>
                             <a:rPr lang="ja-JP" altLang="en-US" sz="2800" i="1">
+                              <a:solidFill>
+                                <a:schemeClr val="tx1">
+                                  <a:lumMod val="75000"/>
+                                  <a:lumOff val="25000"/>
+                                </a:schemeClr>
+                              </a:solidFill>
                               <a:latin typeface="Cambria Math" panose="02040503050406030204" pitchFamily="18" charset="0"/>
                             </a:rPr>
                             <m:t>𝜌</m:t>
@@ -10895,6 +9795,12 @@
                         <m:sub>
                           <m:r>
                             <a:rPr lang="en-US" altLang="ja-JP" sz="2800" i="1">
+                              <a:solidFill>
+                                <a:schemeClr val="tx1">
+                                  <a:lumMod val="75000"/>
+                                  <a:lumOff val="25000"/>
+                                </a:schemeClr>
+                              </a:solidFill>
                               <a:latin typeface="Cambria Math" panose="02040503050406030204" pitchFamily="18" charset="0"/>
                             </a:rPr>
                             <m:t>𝑤</m:t>
@@ -10903,6 +9809,12 @@
                         <m:sup>
                           <m:r>
                             <a:rPr lang="en-US" altLang="ja-JP" sz="2800" i="1">
+                              <a:solidFill>
+                                <a:schemeClr val="tx1">
+                                  <a:lumMod val="75000"/>
+                                  <a:lumOff val="25000"/>
+                                </a:schemeClr>
+                              </a:solidFill>
                               <a:latin typeface="Cambria Math" panose="02040503050406030204" pitchFamily="18" charset="0"/>
                             </a:rPr>
                             <m:t>𝑅𝐶</m:t>
@@ -10914,7 +9826,10 @@
                           <m:ctrlPr>
                             <a:rPr kumimoji="1" lang="en-US" altLang="ja-JP" sz="2800" i="1" smtClean="0">
                               <a:solidFill>
-                                <a:schemeClr val="tx1"/>
+                                <a:schemeClr val="tx1">
+                                  <a:lumMod val="75000"/>
+                                  <a:lumOff val="25000"/>
+                                </a:schemeClr>
                               </a:solidFill>
                               <a:latin typeface="Cambria Math" panose="02040503050406030204" pitchFamily="18" charset="0"/>
                               <a:ea typeface="Cambria Math" panose="02040503050406030204" pitchFamily="18" charset="0"/>
@@ -10925,7 +9840,10 @@
                           <m:r>
                             <a:rPr kumimoji="1" lang="en-US" altLang="ja-JP" sz="2800" b="0" i="1" smtClean="0">
                               <a:solidFill>
-                                <a:schemeClr val="tx1"/>
+                                <a:schemeClr val="tx1">
+                                  <a:lumMod val="75000"/>
+                                  <a:lumOff val="25000"/>
+                                </a:schemeClr>
                               </a:solidFill>
                               <a:latin typeface="Cambria Math" panose="02040503050406030204" pitchFamily="18" charset="0"/>
                               <a:ea typeface="Cambria Math" panose="02040503050406030204" pitchFamily="18" charset="0"/>
@@ -10937,7 +9855,10 @@
                           <m:r>
                             <a:rPr kumimoji="1" lang="en-US" altLang="ja-JP" sz="2800" b="0" i="1" smtClean="0">
                               <a:solidFill>
-                                <a:schemeClr val="tx1"/>
+                                <a:schemeClr val="tx1">
+                                  <a:lumMod val="75000"/>
+                                  <a:lumOff val="25000"/>
+                                </a:schemeClr>
                               </a:solidFill>
                               <a:latin typeface="Cambria Math" panose="02040503050406030204" pitchFamily="18" charset="0"/>
                               <a:ea typeface="Cambria Math" panose="02040503050406030204" pitchFamily="18" charset="0"/>
@@ -10949,7 +9870,10 @@
                       <m:r>
                         <a:rPr kumimoji="1" lang="en-US" altLang="ja-JP" sz="2800" b="0" i="1" smtClean="0">
                           <a:solidFill>
-                            <a:schemeClr val="tx1"/>
+                            <a:schemeClr val="tx1">
+                              <a:lumMod val="75000"/>
+                              <a:lumOff val="25000"/>
+                            </a:schemeClr>
                           </a:solidFill>
                           <a:latin typeface="Cambria Math" panose="02040503050406030204" pitchFamily="18" charset="0"/>
                           <a:ea typeface="Cambria Math" panose="02040503050406030204" pitchFamily="18" charset="0"/>
@@ -10961,7 +9885,10 @@
                           <m:ctrlPr>
                             <a:rPr kumimoji="1" lang="en-US" altLang="ja-JP" sz="2800" b="0" i="1" smtClean="0">
                               <a:solidFill>
-                                <a:schemeClr val="tx1"/>
+                                <a:schemeClr val="tx1">
+                                  <a:lumMod val="75000"/>
+                                  <a:lumOff val="25000"/>
+                                </a:schemeClr>
                               </a:solidFill>
                               <a:latin typeface="Cambria Math" panose="02040503050406030204" pitchFamily="18" charset="0"/>
                               <a:ea typeface="Cambria Math" panose="02040503050406030204" pitchFamily="18" charset="0"/>
@@ -10975,7 +9902,10 @@
                               <m:ctrlPr>
                                 <a:rPr kumimoji="1" lang="en-US" altLang="ja-JP" sz="2800" b="0" i="1" smtClean="0">
                                   <a:solidFill>
-                                    <a:schemeClr val="tx1"/>
+                                    <a:schemeClr val="tx1">
+                                      <a:lumMod val="75000"/>
+                                      <a:lumOff val="25000"/>
+                                    </a:schemeClr>
                                   </a:solidFill>
                                   <a:latin typeface="Cambria Math" panose="02040503050406030204" pitchFamily="18" charset="0"/>
                                   <a:ea typeface="Cambria Math" panose="02040503050406030204" pitchFamily="18" charset="0"/>
@@ -10986,7 +9916,10 @@
                               <m:r>
                                 <a:rPr kumimoji="1" lang="en-US" altLang="ja-JP" sz="2800" b="0" i="1" smtClean="0">
                                   <a:solidFill>
-                                    <a:schemeClr val="tx1"/>
+                                    <a:schemeClr val="tx1">
+                                      <a:lumMod val="75000"/>
+                                      <a:lumOff val="25000"/>
+                                    </a:schemeClr>
                                   </a:solidFill>
                                   <a:latin typeface="Cambria Math" panose="02040503050406030204" pitchFamily="18" charset="0"/>
                                   <a:ea typeface="Cambria Math" panose="02040503050406030204" pitchFamily="18" charset="0"/>
@@ -11000,7 +9933,10 @@
                           <m:r>
                             <a:rPr kumimoji="1" lang="en-US" altLang="ja-JP" sz="2800" b="0" i="1" smtClean="0">
                               <a:solidFill>
-                                <a:schemeClr val="tx1"/>
+                                <a:schemeClr val="tx1">
+                                  <a:lumMod val="75000"/>
+                                  <a:lumOff val="25000"/>
+                                </a:schemeClr>
                               </a:solidFill>
                               <a:latin typeface="Cambria Math" panose="02040503050406030204" pitchFamily="18" charset="0"/>
                               <a:ea typeface="Cambria Math" panose="02040503050406030204" pitchFamily="18" charset="0"/>
@@ -11012,7 +9948,14 @@
                     </m:oMath>
                   </m:oMathPara>
                 </a14:m>
-                <a:endParaRPr kumimoji="1" lang="en-US" altLang="ja-JP" sz="2800" dirty="0"/>
+                <a:endParaRPr kumimoji="1" lang="en-US" altLang="ja-JP" sz="2800" dirty="0">
+                  <a:solidFill>
+                    <a:schemeClr val="tx1">
+                      <a:lumMod val="75000"/>
+                      <a:lumOff val="25000"/>
+                    </a:schemeClr>
+                  </a:solidFill>
+                </a:endParaRPr>
               </a:p>
               <a:p>
                 <a:pPr>
@@ -11021,18 +9964,46 @@
                   </a:lnSpc>
                 </a:pPr>
                 <a:r>
-                  <a:rPr kumimoji="1" lang="ja-JP" altLang="en-US" sz="2800" dirty="0"/>
+                  <a:rPr kumimoji="1" lang="ja-JP" altLang="en-US" sz="2800" dirty="0">
+                    <a:solidFill>
+                      <a:schemeClr val="tx1">
+                        <a:lumMod val="75000"/>
+                        <a:lumOff val="25000"/>
+                      </a:schemeClr>
+                    </a:solidFill>
+                  </a:rPr>
                   <a:t>ダルシーの法則（</a:t>
                 </a:r>
                 <a:r>
-                  <a:rPr kumimoji="1" lang="en-US" altLang="ja-JP" sz="2800" dirty="0"/>
+                  <a:rPr kumimoji="1" lang="en-US" altLang="ja-JP" sz="2800" dirty="0">
+                    <a:solidFill>
+                      <a:schemeClr val="tx1">
+                        <a:lumMod val="75000"/>
+                        <a:lumOff val="25000"/>
+                      </a:schemeClr>
+                    </a:solidFill>
+                  </a:rPr>
                   <a:t>2</a:t>
                 </a:r>
                 <a:r>
-                  <a:rPr lang="ja-JP" altLang="en-US" sz="2800" dirty="0"/>
+                  <a:rPr lang="ja-JP" altLang="en-US" sz="2800" dirty="0">
+                    <a:solidFill>
+                      <a:schemeClr val="tx1">
+                        <a:lumMod val="75000"/>
+                        <a:lumOff val="25000"/>
+                      </a:schemeClr>
+                    </a:solidFill>
+                  </a:rPr>
                   <a:t>相流）</a:t>
                 </a:r>
-                <a:endParaRPr kumimoji="1" lang="en-US" altLang="ja-JP" sz="2800" dirty="0"/>
+                <a:endParaRPr kumimoji="1" lang="en-US" altLang="ja-JP" sz="2800" dirty="0">
+                  <a:solidFill>
+                    <a:schemeClr val="tx1">
+                      <a:lumMod val="75000"/>
+                      <a:lumOff val="25000"/>
+                    </a:schemeClr>
+                  </a:solidFill>
+                </a:endParaRPr>
               </a:p>
               <a:p>
                 <a:pPr marL="0" indent="0">
@@ -11052,7 +10023,10 @@
                           <m:ctrlPr>
                             <a:rPr lang="en-US" altLang="ja-JP" sz="2800" i="1">
                               <a:solidFill>
-                                <a:schemeClr val="tx1"/>
+                                <a:schemeClr val="tx1">
+                                  <a:lumMod val="75000"/>
+                                  <a:lumOff val="25000"/>
+                                </a:schemeClr>
                               </a:solidFill>
                               <a:latin typeface="Cambria Math" panose="02040503050406030204" pitchFamily="18" charset="0"/>
                               <a:ea typeface="Cambria Math" panose="02040503050406030204" pitchFamily="18" charset="0"/>
@@ -11063,7 +10037,10 @@
                           <m:r>
                             <a:rPr lang="en-US" altLang="ja-JP" sz="2800" i="1">
                               <a:solidFill>
-                                <a:schemeClr val="tx1"/>
+                                <a:schemeClr val="tx1">
+                                  <a:lumMod val="75000"/>
+                                  <a:lumOff val="25000"/>
+                                </a:schemeClr>
                               </a:solidFill>
                               <a:latin typeface="Cambria Math" panose="02040503050406030204" pitchFamily="18" charset="0"/>
                               <a:ea typeface="Cambria Math" panose="02040503050406030204" pitchFamily="18" charset="0"/>
@@ -11075,7 +10052,10 @@
                           <m:r>
                             <a:rPr lang="en-US" altLang="ja-JP" sz="2800" i="1">
                               <a:solidFill>
-                                <a:schemeClr val="tx1"/>
+                                <a:schemeClr val="tx1">
+                                  <a:lumMod val="75000"/>
+                                  <a:lumOff val="25000"/>
+                                </a:schemeClr>
                               </a:solidFill>
                               <a:latin typeface="Cambria Math" panose="02040503050406030204" pitchFamily="18" charset="0"/>
                               <a:ea typeface="Cambria Math" panose="02040503050406030204" pitchFamily="18" charset="0"/>
@@ -11087,7 +10067,10 @@
                       <m:r>
                         <a:rPr kumimoji="1" lang="en-US" altLang="ja-JP" sz="2800" i="1" smtClean="0">
                           <a:solidFill>
-                            <a:schemeClr val="tx1"/>
+                            <a:schemeClr val="tx1">
+                              <a:lumMod val="75000"/>
+                              <a:lumOff val="25000"/>
+                            </a:schemeClr>
                           </a:solidFill>
                           <a:latin typeface="Cambria Math" panose="02040503050406030204" pitchFamily="18" charset="0"/>
                           <a:ea typeface="Cambria Math" panose="02040503050406030204" pitchFamily="18" charset="0"/>
@@ -11097,7 +10080,10 @@
                       <m:r>
                         <a:rPr kumimoji="1" lang="en-US" altLang="ja-JP" sz="2800" b="0" i="1" smtClean="0">
                           <a:solidFill>
-                            <a:schemeClr val="tx1"/>
+                            <a:schemeClr val="tx1">
+                              <a:lumMod val="75000"/>
+                              <a:lumOff val="25000"/>
+                            </a:schemeClr>
                           </a:solidFill>
                           <a:latin typeface="Cambria Math" panose="02040503050406030204" pitchFamily="18" charset="0"/>
                           <a:ea typeface="Cambria Math" panose="02040503050406030204" pitchFamily="18" charset="0"/>
@@ -11109,7 +10095,10 @@
                           <m:ctrlPr>
                             <a:rPr lang="en-US" altLang="ja-JP" sz="2800" i="1">
                               <a:solidFill>
-                                <a:schemeClr val="tx1"/>
+                                <a:schemeClr val="tx1">
+                                  <a:lumMod val="75000"/>
+                                  <a:lumOff val="25000"/>
+                                </a:schemeClr>
                               </a:solidFill>
                               <a:latin typeface="Cambria Math" panose="02040503050406030204" pitchFamily="18" charset="0"/>
                               <a:ea typeface="Cambria Math" panose="02040503050406030204" pitchFamily="18" charset="0"/>
@@ -11120,7 +10109,10 @@
                           <m:r>
                             <a:rPr lang="en-US" altLang="ja-JP" sz="2800" i="1">
                               <a:solidFill>
-                                <a:schemeClr val="tx1"/>
+                                <a:schemeClr val="tx1">
+                                  <a:lumMod val="75000"/>
+                                  <a:lumOff val="25000"/>
+                                </a:schemeClr>
                               </a:solidFill>
                               <a:latin typeface="Cambria Math" panose="02040503050406030204" pitchFamily="18" charset="0"/>
                               <a:ea typeface="Cambria Math" panose="02040503050406030204" pitchFamily="18" charset="0"/>
@@ -11132,7 +10124,10 @@
                               <m:ctrlPr>
                                 <a:rPr lang="en-US" altLang="ja-JP" sz="2800" i="1">
                                   <a:solidFill>
-                                    <a:schemeClr val="tx1"/>
+                                    <a:schemeClr val="tx1">
+                                      <a:lumMod val="75000"/>
+                                      <a:lumOff val="25000"/>
+                                    </a:schemeClr>
                                   </a:solidFill>
                                   <a:latin typeface="Cambria Math" panose="02040503050406030204" pitchFamily="18" charset="0"/>
                                   <a:ea typeface="Cambria Math" panose="02040503050406030204" pitchFamily="18" charset="0"/>
@@ -11143,7 +10138,10 @@
                               <m:r>
                                 <a:rPr lang="en-US" altLang="ja-JP" sz="2800" i="1">
                                   <a:solidFill>
-                                    <a:schemeClr val="tx1"/>
+                                    <a:schemeClr val="tx1">
+                                      <a:lumMod val="75000"/>
+                                      <a:lumOff val="25000"/>
+                                    </a:schemeClr>
                                   </a:solidFill>
                                   <a:latin typeface="Cambria Math" panose="02040503050406030204" pitchFamily="18" charset="0"/>
                                   <a:ea typeface="Cambria Math" panose="02040503050406030204" pitchFamily="18" charset="0"/>
@@ -11155,7 +10153,10 @@
                               <m:r>
                                 <a:rPr lang="en-US" altLang="ja-JP" sz="2800" i="1">
                                   <a:solidFill>
-                                    <a:schemeClr val="tx1"/>
+                                    <a:schemeClr val="tx1">
+                                      <a:lumMod val="75000"/>
+                                      <a:lumOff val="25000"/>
+                                    </a:schemeClr>
                                   </a:solidFill>
                                   <a:latin typeface="Cambria Math" panose="02040503050406030204" pitchFamily="18" charset="0"/>
                                   <a:ea typeface="Cambria Math" panose="02040503050406030204" pitchFamily="18" charset="0"/>
@@ -11171,7 +10172,10 @@
                               <m:ctrlPr>
                                 <a:rPr lang="en-US" altLang="ja-JP" sz="2800" i="1">
                                   <a:solidFill>
-                                    <a:schemeClr val="tx1"/>
+                                    <a:schemeClr val="tx1">
+                                      <a:lumMod val="75000"/>
+                                      <a:lumOff val="25000"/>
+                                    </a:schemeClr>
                                   </a:solidFill>
                                   <a:latin typeface="Cambria Math" panose="02040503050406030204" pitchFamily="18" charset="0"/>
                                   <a:ea typeface="Cambria Math" panose="02040503050406030204" pitchFamily="18" charset="0"/>
@@ -11182,7 +10186,10 @@
                               <m:r>
                                 <a:rPr lang="ja-JP" altLang="en-US" sz="2800" i="1">
                                   <a:solidFill>
-                                    <a:schemeClr val="tx1"/>
+                                    <a:schemeClr val="tx1">
+                                      <a:lumMod val="75000"/>
+                                      <a:lumOff val="25000"/>
+                                    </a:schemeClr>
                                   </a:solidFill>
                                   <a:latin typeface="Cambria Math" panose="02040503050406030204" pitchFamily="18" charset="0"/>
                                   <a:ea typeface="Cambria Math" panose="02040503050406030204" pitchFamily="18" charset="0"/>
@@ -11194,7 +10201,10 @@
                               <m:r>
                                 <a:rPr lang="en-US" altLang="ja-JP" sz="2800" i="1">
                                   <a:solidFill>
-                                    <a:schemeClr val="tx1"/>
+                                    <a:schemeClr val="tx1">
+                                      <a:lumMod val="75000"/>
+                                      <a:lumOff val="25000"/>
+                                    </a:schemeClr>
                                   </a:solidFill>
                                   <a:latin typeface="Cambria Math" panose="02040503050406030204" pitchFamily="18" charset="0"/>
                                   <a:ea typeface="Cambria Math" panose="02040503050406030204" pitchFamily="18" charset="0"/>
@@ -11210,7 +10220,10 @@
                           <m:ctrlPr>
                             <a:rPr lang="en-US" altLang="ja-JP" sz="2800" i="1" smtClean="0">
                               <a:solidFill>
-                                <a:schemeClr val="tx1"/>
+                                <a:schemeClr val="tx1">
+                                  <a:lumMod val="75000"/>
+                                  <a:lumOff val="25000"/>
+                                </a:schemeClr>
                               </a:solidFill>
                               <a:latin typeface="Cambria Math" panose="02040503050406030204" pitchFamily="18" charset="0"/>
                               <a:ea typeface="Cambria Math" panose="02040503050406030204" pitchFamily="18" charset="0"/>
@@ -11224,7 +10237,10 @@
                             </m:rPr>
                             <a:rPr lang="en-US" altLang="ja-JP" sz="2800" i="1">
                               <a:solidFill>
-                                <a:schemeClr val="tx1"/>
+                                <a:schemeClr val="tx1">
+                                  <a:lumMod val="75000"/>
+                                  <a:lumOff val="25000"/>
+                                </a:schemeClr>
                               </a:solidFill>
                               <a:latin typeface="Cambria Math" panose="02040503050406030204" pitchFamily="18" charset="0"/>
                               <a:ea typeface="Cambria Math" panose="02040503050406030204" pitchFamily="18" charset="0"/>
@@ -11236,7 +10252,10 @@
                               <m:ctrlPr>
                                 <a:rPr lang="en-US" altLang="ja-JP" sz="2800" i="1" smtClean="0">
                                   <a:solidFill>
-                                    <a:schemeClr val="tx1"/>
+                                    <a:schemeClr val="tx1">
+                                      <a:lumMod val="75000"/>
+                                      <a:lumOff val="25000"/>
+                                    </a:schemeClr>
                                   </a:solidFill>
                                   <a:latin typeface="Cambria Math" panose="02040503050406030204" pitchFamily="18" charset="0"/>
                                   <a:ea typeface="Cambria Math" panose="02040503050406030204" pitchFamily="18" charset="0"/>
@@ -11247,7 +10266,10 @@
                               <m:r>
                                 <a:rPr lang="en-US" altLang="ja-JP" sz="2800" b="0" i="1" smtClean="0">
                                   <a:solidFill>
-                                    <a:schemeClr val="tx1"/>
+                                    <a:schemeClr val="tx1">
+                                      <a:lumMod val="75000"/>
+                                      <a:lumOff val="25000"/>
+                                    </a:schemeClr>
                                   </a:solidFill>
                                   <a:latin typeface="Cambria Math" panose="02040503050406030204" pitchFamily="18" charset="0"/>
                                   <a:ea typeface="Cambria Math" panose="02040503050406030204" pitchFamily="18" charset="0"/>
@@ -11259,7 +10281,10 @@
                               <m:r>
                                 <a:rPr lang="en-US" altLang="ja-JP" sz="2800" b="0" i="1" smtClean="0">
                                   <a:solidFill>
-                                    <a:schemeClr val="tx1"/>
+                                    <a:schemeClr val="tx1">
+                                      <a:lumMod val="75000"/>
+                                      <a:lumOff val="25000"/>
+                                    </a:schemeClr>
                                   </a:solidFill>
                                   <a:latin typeface="Cambria Math" panose="02040503050406030204" pitchFamily="18" charset="0"/>
                                   <a:ea typeface="Cambria Math" panose="02040503050406030204" pitchFamily="18" charset="0"/>
@@ -11271,7 +10296,10 @@
                           <m:r>
                             <a:rPr lang="en-US" altLang="ja-JP" sz="2800" b="0" i="1" smtClean="0">
                               <a:solidFill>
-                                <a:schemeClr val="tx1"/>
+                                <a:schemeClr val="tx1">
+                                  <a:lumMod val="75000"/>
+                                  <a:lumOff val="25000"/>
+                                </a:schemeClr>
                               </a:solidFill>
                               <a:latin typeface="Cambria Math" panose="02040503050406030204" pitchFamily="18" charset="0"/>
                               <a:ea typeface="Cambria Math" panose="02040503050406030204" pitchFamily="18" charset="0"/>
@@ -11283,7 +10311,10 @@
                               <m:ctrlPr>
                                 <a:rPr lang="en-US" altLang="ja-JP" sz="2800" b="0" i="1" smtClean="0">
                                   <a:solidFill>
-                                    <a:schemeClr val="tx1"/>
+                                    <a:schemeClr val="tx1">
+                                      <a:lumMod val="75000"/>
+                                      <a:lumOff val="25000"/>
+                                    </a:schemeClr>
                                   </a:solidFill>
                                   <a:latin typeface="Cambria Math" panose="02040503050406030204" pitchFamily="18" charset="0"/>
                                   <a:ea typeface="Cambria Math" panose="02040503050406030204" pitchFamily="18" charset="0"/>
@@ -11294,7 +10325,10 @@
                               <m:r>
                                 <a:rPr lang="ja-JP" altLang="en-US" sz="2800" b="0" i="1" smtClean="0">
                                   <a:solidFill>
-                                    <a:schemeClr val="tx1"/>
+                                    <a:schemeClr val="tx1">
+                                      <a:lumMod val="75000"/>
+                                      <a:lumOff val="25000"/>
+                                    </a:schemeClr>
                                   </a:solidFill>
                                   <a:latin typeface="Cambria Math" panose="02040503050406030204" pitchFamily="18" charset="0"/>
                                   <a:ea typeface="Cambria Math" panose="02040503050406030204" pitchFamily="18" charset="0"/>
@@ -11306,7 +10340,10 @@
                               <m:r>
                                 <a:rPr lang="en-US" altLang="ja-JP" sz="2800" b="0" i="1" smtClean="0">
                                   <a:solidFill>
-                                    <a:schemeClr val="tx1"/>
+                                    <a:schemeClr val="tx1">
+                                      <a:lumMod val="75000"/>
+                                      <a:lumOff val="25000"/>
+                                    </a:schemeClr>
                                   </a:solidFill>
                                   <a:latin typeface="Cambria Math" panose="02040503050406030204" pitchFamily="18" charset="0"/>
                                   <a:ea typeface="Cambria Math" panose="02040503050406030204" pitchFamily="18" charset="0"/>
@@ -11321,7 +10358,10 @@
                             </m:rPr>
                             <a:rPr lang="en-US" altLang="ja-JP" sz="2800" b="0" i="1" smtClean="0">
                               <a:solidFill>
-                                <a:schemeClr val="tx1"/>
+                                <a:schemeClr val="tx1">
+                                  <a:lumMod val="75000"/>
+                                  <a:lumOff val="25000"/>
+                                </a:schemeClr>
                               </a:solidFill>
                               <a:latin typeface="Cambria Math" panose="02040503050406030204" pitchFamily="18" charset="0"/>
                               <a:ea typeface="Cambria Math" panose="02040503050406030204" pitchFamily="18" charset="0"/>
@@ -11331,7 +10371,10 @@
                           <m:r>
                             <a:rPr lang="en-US" altLang="ja-JP" sz="2800" b="0" i="1" smtClean="0">
                               <a:solidFill>
-                                <a:schemeClr val="tx1"/>
+                                <a:schemeClr val="tx1">
+                                  <a:lumMod val="75000"/>
+                                  <a:lumOff val="25000"/>
+                                </a:schemeClr>
                               </a:solidFill>
                               <a:latin typeface="Cambria Math" panose="02040503050406030204" pitchFamily="18" charset="0"/>
                               <a:ea typeface="Cambria Math" panose="02040503050406030204" pitchFamily="18" charset="0"/>
@@ -11343,12 +10386,19 @@
                     </m:oMath>
                   </m:oMathPara>
                 </a14:m>
-                <a:endParaRPr kumimoji="1" lang="ja-JP" altLang="en-US" sz="2800" dirty="0"/>
+                <a:endParaRPr kumimoji="1" lang="ja-JP" altLang="en-US" sz="2800" dirty="0">
+                  <a:solidFill>
+                    <a:schemeClr val="tx1">
+                      <a:lumMod val="75000"/>
+                      <a:lumOff val="25000"/>
+                    </a:schemeClr>
+                  </a:solidFill>
+                </a:endParaRPr>
               </a:p>
             </p:txBody>
           </p:sp>
         </mc:Choice>
-        <mc:Fallback xmlns="">
+        <mc:Fallback>
           <p:sp>
             <p:nvSpPr>
               <p:cNvPr id="2" name="コンテンツ プレースホルダー 1">
@@ -11461,6 +10511,166 @@
           </a:p>
         </p:txBody>
       </p:sp>
+      <mc:AlternateContent xmlns:mc="http://schemas.openxmlformats.org/markup-compatibility/2006">
+        <mc:Choice xmlns:a14="http://schemas.microsoft.com/office/drawing/2010/main" Requires="a14">
+          <p:sp>
+            <p:nvSpPr>
+              <p:cNvPr id="5" name="テキスト ボックス 4">
+                <a:extLst>
+                  <a:ext uri="{FF2B5EF4-FFF2-40B4-BE49-F238E27FC236}">
+                    <a16:creationId xmlns:a16="http://schemas.microsoft.com/office/drawing/2014/main" id="{66CC0842-6914-4FA0-BE13-F0D7AD993127}"/>
+                  </a:ext>
+                </a:extLst>
+              </p:cNvPr>
+              <p:cNvSpPr txBox="1"/>
+              <p:nvPr/>
+            </p:nvSpPr>
+            <p:spPr>
+              <a:xfrm>
+                <a:off x="6662058" y="5991959"/>
+                <a:ext cx="4556632" cy="369332"/>
+              </a:xfrm>
+              <a:prstGeom prst="rect">
+                <a:avLst/>
+              </a:prstGeom>
+              <a:noFill/>
+            </p:spPr>
+            <p:txBody>
+              <a:bodyPr wrap="square">
+                <a:spAutoFit/>
+              </a:bodyPr>
+              <a:lstStyle/>
+              <a:p>
+                <a:pPr algn="ctr"/>
+                <a:r>
+                  <a:rPr kumimoji="1" lang="ja-JP" altLang="en-US" dirty="0">
+                    <a:solidFill>
+                      <a:schemeClr val="tx1">
+                        <a:lumMod val="75000"/>
+                        <a:lumOff val="25000"/>
+                      </a:schemeClr>
+                    </a:solidFill>
+                  </a:rPr>
+                  <a:t>（</a:t>
+                </a:r>
+                <a:r>
+                  <a:rPr kumimoji="1" lang="en-US" altLang="ja-JP" dirty="0">
+                    <a:solidFill>
+                      <a:schemeClr val="tx1">
+                        <a:lumMod val="75000"/>
+                        <a:lumOff val="25000"/>
+                      </a:schemeClr>
+                    </a:solidFill>
+                  </a:rPr>
+                  <a:t>※</a:t>
+                </a:r>
+                <a:r>
+                  <a:rPr lang="en-US" altLang="ja-JP" sz="1800" dirty="0">
+                    <a:solidFill>
+                      <a:schemeClr val="tx1">
+                        <a:lumMod val="75000"/>
+                        <a:lumOff val="25000"/>
+                      </a:schemeClr>
+                    </a:solidFill>
+                  </a:rPr>
+                  <a:t> </a:t>
+                </a:r>
+                <a14:m>
+                  <m:oMath xmlns:m="http://schemas.openxmlformats.org/officeDocument/2006/math">
+                    <m:r>
+                      <a:rPr lang="en-US" altLang="ja-JP" sz="1800" i="1">
+                        <a:solidFill>
+                          <a:schemeClr val="tx1">
+                            <a:lumMod val="75000"/>
+                            <a:lumOff val="25000"/>
+                          </a:schemeClr>
+                        </a:solidFill>
+                        <a:latin typeface="Cambria Math" panose="02040503050406030204" pitchFamily="18" charset="0"/>
+                      </a:rPr>
+                      <m:t>𝑅𝐶</m:t>
+                    </m:r>
+                    <m:r>
+                      <a:rPr lang="en-US" altLang="ja-JP" sz="1800" i="1">
+                        <a:solidFill>
+                          <a:schemeClr val="tx1">
+                            <a:lumMod val="75000"/>
+                            <a:lumOff val="25000"/>
+                          </a:schemeClr>
+                        </a:solidFill>
+                        <a:latin typeface="Cambria Math" panose="02040503050406030204" pitchFamily="18" charset="0"/>
+                      </a:rPr>
+                      <m:t> </m:t>
+                    </m:r>
+                  </m:oMath>
+                </a14:m>
+                <a:r>
+                  <a:rPr kumimoji="1" lang="ja-JP" altLang="en-US" dirty="0">
+                    <a:solidFill>
+                      <a:schemeClr val="tx1">
+                        <a:lumMod val="75000"/>
+                        <a:lumOff val="25000"/>
+                      </a:schemeClr>
+                    </a:solidFill>
+                  </a:rPr>
+                  <a:t>は貯留層条件を意味する）</a:t>
+                </a:r>
+                <a:endParaRPr lang="ja-JP" altLang="en-US" dirty="0">
+                  <a:solidFill>
+                    <a:schemeClr val="tx1">
+                      <a:lumMod val="75000"/>
+                      <a:lumOff val="25000"/>
+                    </a:schemeClr>
+                  </a:solidFill>
+                </a:endParaRPr>
+              </a:p>
+            </p:txBody>
+          </p:sp>
+        </mc:Choice>
+        <mc:Fallback>
+          <p:sp>
+            <p:nvSpPr>
+              <p:cNvPr id="5" name="テキスト ボックス 4">
+                <a:extLst>
+                  <a:ext uri="{FF2B5EF4-FFF2-40B4-BE49-F238E27FC236}">
+                    <a16:creationId xmlns:a16="http://schemas.microsoft.com/office/drawing/2014/main" id="{66CC0842-6914-4FA0-BE13-F0D7AD993127}"/>
+                  </a:ext>
+                </a:extLst>
+              </p:cNvPr>
+              <p:cNvSpPr txBox="1">
+                <a:spLocks noRot="1" noChangeAspect="1" noMove="1" noResize="1" noEditPoints="1" noAdjustHandles="1" noChangeArrowheads="1" noChangeShapeType="1" noTextEdit="1"/>
+              </p:cNvSpPr>
+              <p:nvPr/>
+            </p:nvSpPr>
+            <p:spPr>
+              <a:xfrm>
+                <a:off x="6662058" y="5991959"/>
+                <a:ext cx="4556632" cy="369332"/>
+              </a:xfrm>
+              <a:prstGeom prst="rect">
+                <a:avLst/>
+              </a:prstGeom>
+              <a:blipFill>
+                <a:blip r:embed="rId4"/>
+                <a:stretch>
+                  <a:fillRect t="-9836" b="-24590"/>
+                </a:stretch>
+              </a:blipFill>
+            </p:spPr>
+            <p:txBody>
+              <a:bodyPr/>
+              <a:lstStyle/>
+              <a:p>
+                <a:r>
+                  <a:rPr lang="ja-JP" altLang="en-US">
+                    <a:noFill/>
+                  </a:rPr>
+                  <a:t> </a:t>
+                </a:r>
+              </a:p>
+            </p:txBody>
+          </p:sp>
+        </mc:Fallback>
+      </mc:AlternateContent>
     </p:spTree>
     <p:extLst>
       <p:ext uri="{BB962C8B-B14F-4D97-AF65-F5344CB8AC3E}">
@@ -11491,8 +10701,8 @@
           <a:chExt cx="0" cy="0"/>
         </a:xfrm>
       </p:grpSpPr>
-      <mc:AlternateContent xmlns:mc="http://schemas.openxmlformats.org/markup-compatibility/2006" xmlns:a14="http://schemas.microsoft.com/office/drawing/2010/main">
-        <mc:Choice Requires="a14">
+      <mc:AlternateContent xmlns:mc="http://schemas.openxmlformats.org/markup-compatibility/2006">
+        <mc:Choice xmlns:a14="http://schemas.microsoft.com/office/drawing/2010/main" Requires="a14">
           <p:sp>
             <p:nvSpPr>
               <p:cNvPr id="2" name="コンテンツ プレースホルダー 1">
@@ -11529,6 +10739,61 @@
                   <a:rPr kumimoji="1" lang="ja-JP" altLang="en-US" sz="2800" dirty="0"/>
                   <a:t>の質量保存則</a:t>
                 </a:r>
+                <a:r>
+                  <a:rPr kumimoji="1" lang="ja-JP" altLang="en-US" sz="2800" dirty="0">
+                    <a:solidFill>
+                      <a:schemeClr val="tx1">
+                        <a:lumMod val="75000"/>
+                        <a:lumOff val="25000"/>
+                      </a:schemeClr>
+                    </a:solidFill>
+                  </a:rPr>
+                  <a:t>→質量の時間変化＝流出</a:t>
+                </a:r>
+                <a:r>
+                  <a:rPr kumimoji="1" lang="en-US" altLang="ja-JP" sz="2800" dirty="0">
+                    <a:solidFill>
+                      <a:schemeClr val="tx1">
+                        <a:lumMod val="75000"/>
+                        <a:lumOff val="25000"/>
+                      </a:schemeClr>
+                    </a:solidFill>
+                  </a:rPr>
+                  <a:t>-</a:t>
+                </a:r>
+                <a:r>
+                  <a:rPr kumimoji="1" lang="ja-JP" altLang="en-US" sz="2800" dirty="0">
+                    <a:solidFill>
+                      <a:schemeClr val="tx1">
+                        <a:lumMod val="75000"/>
+                        <a:lumOff val="25000"/>
+                      </a:schemeClr>
+                    </a:solidFill>
+                  </a:rPr>
+                  <a:t>流入</a:t>
+                </a:r>
+                <a:r>
+                  <a:rPr kumimoji="1" lang="en-US" altLang="ja-JP" sz="2800" dirty="0">
+                    <a:solidFill>
+                      <a:schemeClr val="tx1">
+                        <a:lumMod val="75000"/>
+                        <a:lumOff val="25000"/>
+                      </a:schemeClr>
+                    </a:solidFill>
+                  </a:rPr>
+                  <a:t>+</a:t>
+                </a:r>
+                <a:r>
+                  <a:rPr kumimoji="1" lang="ja-JP" altLang="en-US" sz="2800" dirty="0">
+                    <a:solidFill>
+                      <a:schemeClr val="tx1">
+                        <a:lumMod val="75000"/>
+                        <a:lumOff val="25000"/>
+                      </a:schemeClr>
+                    </a:solidFill>
+                  </a:rPr>
+                  <a:t>生成消失</a:t>
+                </a:r>
                 <a:endParaRPr kumimoji="1" lang="en-US" altLang="ja-JP" sz="2800" dirty="0"/>
               </a:p>
               <a:p>
@@ -11544,7 +10809,13 @@
                       <m:f>
                         <m:fPr>
                           <m:ctrlPr>
-                            <a:rPr lang="en-US" altLang="ja-JP" sz="2800" i="1">
+                            <a:rPr lang="en-US" altLang="ja-JP" sz="2800" i="1" smtClean="0">
+                              <a:solidFill>
+                                <a:schemeClr val="tx1">
+                                  <a:lumMod val="75000"/>
+                                  <a:lumOff val="25000"/>
+                                </a:schemeClr>
+                              </a:solidFill>
                               <a:latin typeface="Cambria Math" panose="02040503050406030204" pitchFamily="18" charset="0"/>
                             </a:rPr>
                           </m:ctrlPr>
@@ -11552,6 +10823,12 @@
                         <m:num>
                           <m:r>
                             <a:rPr lang="ja-JP" altLang="en-US" sz="2800" i="1">
+                              <a:solidFill>
+                                <a:schemeClr val="tx1">
+                                  <a:lumMod val="75000"/>
+                                  <a:lumOff val="25000"/>
+                                </a:schemeClr>
+                              </a:solidFill>
                               <a:latin typeface="Cambria Math" panose="02040503050406030204" pitchFamily="18" charset="0"/>
                             </a:rPr>
                             <m:t>𝜕</m:t>
@@ -11560,12 +10837,24 @@
                         <m:den>
                           <m:r>
                             <a:rPr lang="ja-JP" altLang="en-US" sz="2800" i="1">
+                              <a:solidFill>
+                                <a:schemeClr val="tx1">
+                                  <a:lumMod val="75000"/>
+                                  <a:lumOff val="25000"/>
+                                </a:schemeClr>
+                              </a:solidFill>
                               <a:latin typeface="Cambria Math" panose="02040503050406030204" pitchFamily="18" charset="0"/>
                             </a:rPr>
                             <m:t>𝜕</m:t>
                           </m:r>
                           <m:r>
                             <a:rPr lang="en-US" altLang="ja-JP" sz="2800" i="1">
+                              <a:solidFill>
+                                <a:schemeClr val="tx1">
+                                  <a:lumMod val="75000"/>
+                                  <a:lumOff val="25000"/>
+                                </a:schemeClr>
+                              </a:solidFill>
                               <a:latin typeface="Cambria Math" panose="02040503050406030204" pitchFamily="18" charset="0"/>
                             </a:rPr>
                             <m:t>𝑡</m:t>
@@ -11576,6 +10865,12 @@
                         <m:sSubSupPr>
                           <m:ctrlPr>
                             <a:rPr lang="en-US" altLang="ja-JP" sz="2800" i="1">
+                              <a:solidFill>
+                                <a:schemeClr val="tx1">
+                                  <a:lumMod val="75000"/>
+                                  <a:lumOff val="25000"/>
+                                </a:schemeClr>
+                              </a:solidFill>
                               <a:latin typeface="Cambria Math" panose="02040503050406030204" pitchFamily="18" charset="0"/>
                             </a:rPr>
                           </m:ctrlPr>
@@ -11583,6 +10878,12 @@
                         <m:e>
                           <m:r>
                             <a:rPr lang="ja-JP" altLang="en-US" sz="2800" i="1">
+                              <a:solidFill>
+                                <a:schemeClr val="tx1">
+                                  <a:lumMod val="75000"/>
+                                  <a:lumOff val="25000"/>
+                                </a:schemeClr>
+                              </a:solidFill>
                               <a:latin typeface="Cambria Math" panose="02040503050406030204" pitchFamily="18" charset="0"/>
                             </a:rPr>
                             <m:t>𝜌</m:t>
@@ -11591,6 +10892,12 @@
                         <m:sub>
                           <m:r>
                             <a:rPr lang="en-US" altLang="ja-JP" sz="2800" i="1">
+                              <a:solidFill>
+                                <a:schemeClr val="tx1">
+                                  <a:lumMod val="75000"/>
+                                  <a:lumOff val="25000"/>
+                                </a:schemeClr>
+                              </a:solidFill>
                               <a:latin typeface="Cambria Math" panose="02040503050406030204" pitchFamily="18" charset="0"/>
                             </a:rPr>
                             <m:t>𝑜</m:t>
@@ -11599,6 +10906,12 @@
                         <m:sup>
                           <m:r>
                             <a:rPr lang="en-US" altLang="ja-JP" sz="2800" i="1">
+                              <a:solidFill>
+                                <a:schemeClr val="tx1">
+                                  <a:lumMod val="75000"/>
+                                  <a:lumOff val="25000"/>
+                                </a:schemeClr>
+                              </a:solidFill>
                               <a:latin typeface="Cambria Math" panose="02040503050406030204" pitchFamily="18" charset="0"/>
                             </a:rPr>
                             <m:t>𝑅𝐶</m:t>
@@ -11607,6 +10920,12 @@
                       </m:sSubSup>
                       <m:r>
                         <a:rPr lang="ja-JP" altLang="en-US" sz="2800" i="1">
+                          <a:solidFill>
+                            <a:schemeClr val="tx1">
+                              <a:lumMod val="75000"/>
+                              <a:lumOff val="25000"/>
+                            </a:schemeClr>
+                          </a:solidFill>
                           <a:latin typeface="Cambria Math" panose="02040503050406030204" pitchFamily="18" charset="0"/>
                         </a:rPr>
                         <m:t>𝜙</m:t>
@@ -11615,6 +10934,12 @@
                         <m:sSubPr>
                           <m:ctrlPr>
                             <a:rPr lang="en-US" altLang="ja-JP" sz="2800" i="1">
+                              <a:solidFill>
+                                <a:schemeClr val="tx1">
+                                  <a:lumMod val="75000"/>
+                                  <a:lumOff val="25000"/>
+                                </a:schemeClr>
+                              </a:solidFill>
                               <a:latin typeface="Cambria Math" panose="02040503050406030204" pitchFamily="18" charset="0"/>
                             </a:rPr>
                           </m:ctrlPr>
@@ -11622,6 +10947,12 @@
                         <m:e>
                           <m:r>
                             <a:rPr lang="en-US" altLang="ja-JP" sz="2800" i="1">
+                              <a:solidFill>
+                                <a:schemeClr val="tx1">
+                                  <a:lumMod val="75000"/>
+                                  <a:lumOff val="25000"/>
+                                </a:schemeClr>
+                              </a:solidFill>
                               <a:latin typeface="Cambria Math" panose="02040503050406030204" pitchFamily="18" charset="0"/>
                             </a:rPr>
                             <m:t>𝑆</m:t>
@@ -11630,6 +10961,12 @@
                         <m:sub>
                           <m:r>
                             <a:rPr lang="en-US" altLang="ja-JP" sz="2800" i="1">
+                              <a:solidFill>
+                                <a:schemeClr val="tx1">
+                                  <a:lumMod val="75000"/>
+                                  <a:lumOff val="25000"/>
+                                </a:schemeClr>
+                              </a:solidFill>
                               <a:latin typeface="Cambria Math" panose="02040503050406030204" pitchFamily="18" charset="0"/>
                             </a:rPr>
                             <m:t>𝑜</m:t>
@@ -11639,7 +10976,10 @@
                       <m:r>
                         <a:rPr kumimoji="1" lang="en-US" altLang="ja-JP" sz="2800" i="1" smtClean="0">
                           <a:solidFill>
-                            <a:schemeClr val="tx1"/>
+                            <a:schemeClr val="tx1">
+                              <a:lumMod val="75000"/>
+                              <a:lumOff val="25000"/>
+                            </a:schemeClr>
                           </a:solidFill>
                           <a:latin typeface="Cambria Math" panose="02040503050406030204" pitchFamily="18" charset="0"/>
                           <a:ea typeface="Cambria Math" panose="02040503050406030204" pitchFamily="18" charset="0"/>
@@ -11649,7 +10989,10 @@
                       <m:r>
                         <a:rPr kumimoji="1" lang="en-US" altLang="ja-JP" sz="2800" b="0" i="1" smtClean="0">
                           <a:solidFill>
-                            <a:schemeClr val="tx1"/>
+                            <a:schemeClr val="tx1">
+                              <a:lumMod val="75000"/>
+                              <a:lumOff val="25000"/>
+                            </a:schemeClr>
                           </a:solidFill>
                           <a:latin typeface="Cambria Math" panose="02040503050406030204" pitchFamily="18" charset="0"/>
                           <a:ea typeface="Cambria Math" panose="02040503050406030204" pitchFamily="18" charset="0"/>
@@ -11662,7 +11005,10 @@
                         </m:rPr>
                         <a:rPr kumimoji="1" lang="en-US" altLang="ja-JP" sz="2800" i="1" smtClean="0">
                           <a:solidFill>
-                            <a:schemeClr val="tx1"/>
+                            <a:schemeClr val="tx1">
+                              <a:lumMod val="75000"/>
+                              <a:lumOff val="25000"/>
+                            </a:schemeClr>
                           </a:solidFill>
                           <a:latin typeface="Cambria Math" panose="02040503050406030204" pitchFamily="18" charset="0"/>
                           <a:ea typeface="Cambria Math" panose="02040503050406030204" pitchFamily="18" charset="0"/>
@@ -11672,7 +11018,10 @@
                       <m:r>
                         <a:rPr lang="en-US" altLang="ja-JP" sz="2800" i="1">
                           <a:solidFill>
-                            <a:schemeClr val="tx1"/>
+                            <a:schemeClr val="tx1">
+                              <a:lumMod val="75000"/>
+                              <a:lumOff val="25000"/>
+                            </a:schemeClr>
                           </a:solidFill>
                           <a:latin typeface="Cambria Math" panose="02040503050406030204" pitchFamily="18" charset="0"/>
                           <a:ea typeface="Cambria Math" panose="02040503050406030204" pitchFamily="18" charset="0"/>
@@ -11683,6 +11032,12 @@
                         <m:sSubSupPr>
                           <m:ctrlPr>
                             <a:rPr lang="en-US" altLang="ja-JP" sz="2800" i="1">
+                              <a:solidFill>
+                                <a:schemeClr val="tx1">
+                                  <a:lumMod val="75000"/>
+                                  <a:lumOff val="25000"/>
+                                </a:schemeClr>
+                              </a:solidFill>
                               <a:latin typeface="Cambria Math" panose="02040503050406030204" pitchFamily="18" charset="0"/>
                             </a:rPr>
                           </m:ctrlPr>
@@ -11690,6 +11045,12 @@
                         <m:e>
                           <m:r>
                             <a:rPr lang="ja-JP" altLang="en-US" sz="2800" i="1">
+                              <a:solidFill>
+                                <a:schemeClr val="tx1">
+                                  <a:lumMod val="75000"/>
+                                  <a:lumOff val="25000"/>
+                                </a:schemeClr>
+                              </a:solidFill>
                               <a:latin typeface="Cambria Math" panose="02040503050406030204" pitchFamily="18" charset="0"/>
                             </a:rPr>
                             <m:t>𝜌</m:t>
@@ -11698,6 +11059,12 @@
                         <m:sub>
                           <m:r>
                             <a:rPr lang="en-US" altLang="ja-JP" sz="2800" i="1">
+                              <a:solidFill>
+                                <a:schemeClr val="tx1">
+                                  <a:lumMod val="75000"/>
+                                  <a:lumOff val="25000"/>
+                                </a:schemeClr>
+                              </a:solidFill>
                               <a:latin typeface="Cambria Math" panose="02040503050406030204" pitchFamily="18" charset="0"/>
                             </a:rPr>
                             <m:t>𝑜</m:t>
@@ -11706,6 +11073,12 @@
                         <m:sup>
                           <m:r>
                             <a:rPr lang="en-US" altLang="ja-JP" sz="2800" i="1">
+                              <a:solidFill>
+                                <a:schemeClr val="tx1">
+                                  <a:lumMod val="75000"/>
+                                  <a:lumOff val="25000"/>
+                                </a:schemeClr>
+                              </a:solidFill>
                               <a:latin typeface="Cambria Math" panose="02040503050406030204" pitchFamily="18" charset="0"/>
                             </a:rPr>
                             <m:t>𝑅𝐶</m:t>
@@ -11717,7 +11090,10 @@
                           <m:ctrlPr>
                             <a:rPr kumimoji="1" lang="en-US" altLang="ja-JP" sz="2800" i="1" smtClean="0">
                               <a:solidFill>
-                                <a:schemeClr val="tx1"/>
+                                <a:schemeClr val="tx1">
+                                  <a:lumMod val="75000"/>
+                                  <a:lumOff val="25000"/>
+                                </a:schemeClr>
                               </a:solidFill>
                               <a:latin typeface="Cambria Math" panose="02040503050406030204" pitchFamily="18" charset="0"/>
                               <a:ea typeface="Cambria Math" panose="02040503050406030204" pitchFamily="18" charset="0"/>
@@ -11728,7 +11104,10 @@
                           <m:r>
                             <a:rPr kumimoji="1" lang="en-US" altLang="ja-JP" sz="2800" b="0" i="1" smtClean="0">
                               <a:solidFill>
-                                <a:schemeClr val="tx1"/>
+                                <a:schemeClr val="tx1">
+                                  <a:lumMod val="75000"/>
+                                  <a:lumOff val="25000"/>
+                                </a:schemeClr>
                               </a:solidFill>
                               <a:latin typeface="Cambria Math" panose="02040503050406030204" pitchFamily="18" charset="0"/>
                               <a:ea typeface="Cambria Math" panose="02040503050406030204" pitchFamily="18" charset="0"/>
@@ -11740,7 +11119,10 @@
                           <m:r>
                             <a:rPr kumimoji="1" lang="en-US" altLang="ja-JP" sz="2800" b="0" i="1" smtClean="0">
                               <a:solidFill>
-                                <a:schemeClr val="tx1"/>
+                                <a:schemeClr val="tx1">
+                                  <a:lumMod val="75000"/>
+                                  <a:lumOff val="25000"/>
+                                </a:schemeClr>
                               </a:solidFill>
                               <a:latin typeface="Cambria Math" panose="02040503050406030204" pitchFamily="18" charset="0"/>
                               <a:ea typeface="Cambria Math" panose="02040503050406030204" pitchFamily="18" charset="0"/>
@@ -11752,7 +11134,10 @@
                       <m:r>
                         <a:rPr kumimoji="1" lang="en-US" altLang="ja-JP" sz="2800" b="0" i="1" smtClean="0">
                           <a:solidFill>
-                            <a:schemeClr val="tx1"/>
+                            <a:schemeClr val="tx1">
+                              <a:lumMod val="75000"/>
+                              <a:lumOff val="25000"/>
+                            </a:schemeClr>
                           </a:solidFill>
                           <a:latin typeface="Cambria Math" panose="02040503050406030204" pitchFamily="18" charset="0"/>
                           <a:ea typeface="Cambria Math" panose="02040503050406030204" pitchFamily="18" charset="0"/>
@@ -11764,7 +11149,10 @@
                           <m:ctrlPr>
                             <a:rPr kumimoji="1" lang="en-US" altLang="ja-JP" sz="2800" b="0" i="1" smtClean="0">
                               <a:solidFill>
-                                <a:schemeClr val="tx1"/>
+                                <a:schemeClr val="tx1">
+                                  <a:lumMod val="75000"/>
+                                  <a:lumOff val="25000"/>
+                                </a:schemeClr>
                               </a:solidFill>
                               <a:latin typeface="Cambria Math" panose="02040503050406030204" pitchFamily="18" charset="0"/>
                               <a:ea typeface="Cambria Math" panose="02040503050406030204" pitchFamily="18" charset="0"/>
@@ -11778,7 +11166,10 @@
                               <m:ctrlPr>
                                 <a:rPr kumimoji="1" lang="en-US" altLang="ja-JP" sz="2800" b="0" i="1" smtClean="0">
                                   <a:solidFill>
-                                    <a:schemeClr val="tx1"/>
+                                    <a:schemeClr val="tx1">
+                                      <a:lumMod val="75000"/>
+                                      <a:lumOff val="25000"/>
+                                    </a:schemeClr>
                                   </a:solidFill>
                                   <a:latin typeface="Cambria Math" panose="02040503050406030204" pitchFamily="18" charset="0"/>
                                   <a:ea typeface="Cambria Math" panose="02040503050406030204" pitchFamily="18" charset="0"/>
@@ -11789,7 +11180,10 @@
                               <m:r>
                                 <a:rPr kumimoji="1" lang="en-US" altLang="ja-JP" sz="2800" b="0" i="1" smtClean="0">
                                   <a:solidFill>
-                                    <a:schemeClr val="tx1"/>
+                                    <a:schemeClr val="tx1">
+                                      <a:lumMod val="75000"/>
+                                      <a:lumOff val="25000"/>
+                                    </a:schemeClr>
                                   </a:solidFill>
                                   <a:latin typeface="Cambria Math" panose="02040503050406030204" pitchFamily="18" charset="0"/>
                                   <a:ea typeface="Cambria Math" panose="02040503050406030204" pitchFamily="18" charset="0"/>
@@ -11803,7 +11197,10 @@
                           <m:r>
                             <a:rPr kumimoji="1" lang="en-US" altLang="ja-JP" sz="2800" b="0" i="1" smtClean="0">
                               <a:solidFill>
-                                <a:schemeClr val="tx1"/>
+                                <a:schemeClr val="tx1">
+                                  <a:lumMod val="75000"/>
+                                  <a:lumOff val="25000"/>
+                                </a:schemeClr>
                               </a:solidFill>
                               <a:latin typeface="Cambria Math" panose="02040503050406030204" pitchFamily="18" charset="0"/>
                               <a:ea typeface="Cambria Math" panose="02040503050406030204" pitchFamily="18" charset="0"/>
@@ -11815,7 +11212,14 @@
                     </m:oMath>
                   </m:oMathPara>
                 </a14:m>
-                <a:endParaRPr kumimoji="1" lang="en-US" altLang="ja-JP" sz="2800" dirty="0"/>
+                <a:endParaRPr kumimoji="1" lang="en-US" altLang="ja-JP" sz="2800" dirty="0">
+                  <a:solidFill>
+                    <a:schemeClr val="tx1">
+                      <a:lumMod val="75000"/>
+                      <a:lumOff val="25000"/>
+                    </a:schemeClr>
+                  </a:solidFill>
+                </a:endParaRPr>
               </a:p>
               <a:p>
                 <a:pPr>
@@ -11824,18 +11228,46 @@
                   </a:lnSpc>
                 </a:pPr>
                 <a:r>
-                  <a:rPr kumimoji="1" lang="ja-JP" altLang="en-US" sz="2800" dirty="0"/>
+                  <a:rPr kumimoji="1" lang="ja-JP" altLang="en-US" sz="2800" dirty="0">
+                    <a:solidFill>
+                      <a:schemeClr val="tx1">
+                        <a:lumMod val="75000"/>
+                        <a:lumOff val="25000"/>
+                      </a:schemeClr>
+                    </a:solidFill>
+                  </a:rPr>
                   <a:t>ダルシーの法則（</a:t>
                 </a:r>
                 <a:r>
-                  <a:rPr kumimoji="1" lang="en-US" altLang="ja-JP" sz="2800" dirty="0"/>
+                  <a:rPr kumimoji="1" lang="en-US" altLang="ja-JP" sz="2800" dirty="0">
+                    <a:solidFill>
+                      <a:schemeClr val="tx1">
+                        <a:lumMod val="75000"/>
+                        <a:lumOff val="25000"/>
+                      </a:schemeClr>
+                    </a:solidFill>
+                  </a:rPr>
                   <a:t>2</a:t>
                 </a:r>
                 <a:r>
-                  <a:rPr lang="ja-JP" altLang="en-US" sz="2800" dirty="0"/>
+                  <a:rPr lang="ja-JP" altLang="en-US" sz="2800" dirty="0">
+                    <a:solidFill>
+                      <a:schemeClr val="tx1">
+                        <a:lumMod val="75000"/>
+                        <a:lumOff val="25000"/>
+                      </a:schemeClr>
+                    </a:solidFill>
+                  </a:rPr>
                   <a:t>相流）</a:t>
                 </a:r>
-                <a:endParaRPr kumimoji="1" lang="en-US" altLang="ja-JP" sz="2800" dirty="0"/>
+                <a:endParaRPr kumimoji="1" lang="en-US" altLang="ja-JP" sz="2800" dirty="0">
+                  <a:solidFill>
+                    <a:schemeClr val="tx1">
+                      <a:lumMod val="75000"/>
+                      <a:lumOff val="25000"/>
+                    </a:schemeClr>
+                  </a:solidFill>
+                </a:endParaRPr>
               </a:p>
               <a:p>
                 <a:pPr marL="0" indent="0">
@@ -11855,7 +11287,10 @@
                           <m:ctrlPr>
                             <a:rPr lang="en-US" altLang="ja-JP" sz="2800" i="1">
                               <a:solidFill>
-                                <a:schemeClr val="tx1"/>
+                                <a:schemeClr val="tx1">
+                                  <a:lumMod val="75000"/>
+                                  <a:lumOff val="25000"/>
+                                </a:schemeClr>
                               </a:solidFill>
                               <a:latin typeface="Cambria Math" panose="02040503050406030204" pitchFamily="18" charset="0"/>
                               <a:ea typeface="Cambria Math" panose="02040503050406030204" pitchFamily="18" charset="0"/>
@@ -11866,7 +11301,10 @@
                           <m:r>
                             <a:rPr lang="en-US" altLang="ja-JP" sz="2800" i="1">
                               <a:solidFill>
-                                <a:schemeClr val="tx1"/>
+                                <a:schemeClr val="tx1">
+                                  <a:lumMod val="75000"/>
+                                  <a:lumOff val="25000"/>
+                                </a:schemeClr>
                               </a:solidFill>
                               <a:latin typeface="Cambria Math" panose="02040503050406030204" pitchFamily="18" charset="0"/>
                               <a:ea typeface="Cambria Math" panose="02040503050406030204" pitchFamily="18" charset="0"/>
@@ -11878,7 +11316,10 @@
                           <m:r>
                             <a:rPr lang="en-US" altLang="ja-JP" sz="2800" b="0" i="1" smtClean="0">
                               <a:solidFill>
-                                <a:schemeClr val="tx1"/>
+                                <a:schemeClr val="tx1">
+                                  <a:lumMod val="75000"/>
+                                  <a:lumOff val="25000"/>
+                                </a:schemeClr>
                               </a:solidFill>
                               <a:latin typeface="Cambria Math" panose="02040503050406030204" pitchFamily="18" charset="0"/>
                               <a:ea typeface="Cambria Math" panose="02040503050406030204" pitchFamily="18" charset="0"/>
@@ -11890,7 +11331,10 @@
                       <m:r>
                         <a:rPr kumimoji="1" lang="en-US" altLang="ja-JP" sz="2800" i="1" smtClean="0">
                           <a:solidFill>
-                            <a:schemeClr val="tx1"/>
+                            <a:schemeClr val="tx1">
+                              <a:lumMod val="75000"/>
+                              <a:lumOff val="25000"/>
+                            </a:schemeClr>
                           </a:solidFill>
                           <a:latin typeface="Cambria Math" panose="02040503050406030204" pitchFamily="18" charset="0"/>
                           <a:ea typeface="Cambria Math" panose="02040503050406030204" pitchFamily="18" charset="0"/>
@@ -11900,7 +11344,10 @@
                       <m:r>
                         <a:rPr kumimoji="1" lang="en-US" altLang="ja-JP" sz="2800" b="0" i="1" smtClean="0">
                           <a:solidFill>
-                            <a:schemeClr val="tx1"/>
+                            <a:schemeClr val="tx1">
+                              <a:lumMod val="75000"/>
+                              <a:lumOff val="25000"/>
+                            </a:schemeClr>
                           </a:solidFill>
                           <a:latin typeface="Cambria Math" panose="02040503050406030204" pitchFamily="18" charset="0"/>
                           <a:ea typeface="Cambria Math" panose="02040503050406030204" pitchFamily="18" charset="0"/>
@@ -11912,7 +11359,10 @@
                           <m:ctrlPr>
                             <a:rPr lang="en-US" altLang="ja-JP" sz="2800" i="1">
                               <a:solidFill>
-                                <a:schemeClr val="tx1"/>
+                                <a:schemeClr val="tx1">
+                                  <a:lumMod val="75000"/>
+                                  <a:lumOff val="25000"/>
+                                </a:schemeClr>
                               </a:solidFill>
                               <a:latin typeface="Cambria Math" panose="02040503050406030204" pitchFamily="18" charset="0"/>
                               <a:ea typeface="Cambria Math" panose="02040503050406030204" pitchFamily="18" charset="0"/>
@@ -11923,7 +11373,10 @@
                           <m:r>
                             <a:rPr lang="en-US" altLang="ja-JP" sz="2800" i="1">
                               <a:solidFill>
-                                <a:schemeClr val="tx1"/>
+                                <a:schemeClr val="tx1">
+                                  <a:lumMod val="75000"/>
+                                  <a:lumOff val="25000"/>
+                                </a:schemeClr>
                               </a:solidFill>
                               <a:latin typeface="Cambria Math" panose="02040503050406030204" pitchFamily="18" charset="0"/>
                               <a:ea typeface="Cambria Math" panose="02040503050406030204" pitchFamily="18" charset="0"/>
@@ -11935,7 +11388,10 @@
                               <m:ctrlPr>
                                 <a:rPr lang="en-US" altLang="ja-JP" sz="2800" i="1">
                                   <a:solidFill>
-                                    <a:schemeClr val="tx1"/>
+                                    <a:schemeClr val="tx1">
+                                      <a:lumMod val="75000"/>
+                                      <a:lumOff val="25000"/>
+                                    </a:schemeClr>
                                   </a:solidFill>
                                   <a:latin typeface="Cambria Math" panose="02040503050406030204" pitchFamily="18" charset="0"/>
                                   <a:ea typeface="Cambria Math" panose="02040503050406030204" pitchFamily="18" charset="0"/>
@@ -11946,7 +11402,10 @@
                               <m:r>
                                 <a:rPr lang="en-US" altLang="ja-JP" sz="2800" i="1">
                                   <a:solidFill>
-                                    <a:schemeClr val="tx1"/>
+                                    <a:schemeClr val="tx1">
+                                      <a:lumMod val="75000"/>
+                                      <a:lumOff val="25000"/>
+                                    </a:schemeClr>
                                   </a:solidFill>
                                   <a:latin typeface="Cambria Math" panose="02040503050406030204" pitchFamily="18" charset="0"/>
                                   <a:ea typeface="Cambria Math" panose="02040503050406030204" pitchFamily="18" charset="0"/>
@@ -11958,7 +11417,10 @@
                               <m:r>
                                 <a:rPr lang="en-US" altLang="ja-JP" sz="2800" i="1">
                                   <a:solidFill>
-                                    <a:schemeClr val="tx1"/>
+                                    <a:schemeClr val="tx1">
+                                      <a:lumMod val="75000"/>
+                                      <a:lumOff val="25000"/>
+                                    </a:schemeClr>
                                   </a:solidFill>
                                   <a:latin typeface="Cambria Math" panose="02040503050406030204" pitchFamily="18" charset="0"/>
                                   <a:ea typeface="Cambria Math" panose="02040503050406030204" pitchFamily="18" charset="0"/>
@@ -11968,7 +11430,10 @@
                               <m:r>
                                 <a:rPr lang="en-US" altLang="ja-JP" sz="2800" b="0" i="1" smtClean="0">
                                   <a:solidFill>
-                                    <a:schemeClr val="tx1"/>
+                                    <a:schemeClr val="tx1">
+                                      <a:lumMod val="75000"/>
+                                      <a:lumOff val="25000"/>
+                                    </a:schemeClr>
                                   </a:solidFill>
                                   <a:latin typeface="Cambria Math" panose="02040503050406030204" pitchFamily="18" charset="0"/>
                                   <a:ea typeface="Cambria Math" panose="02040503050406030204" pitchFamily="18" charset="0"/>
@@ -11984,7 +11449,10 @@
                               <m:ctrlPr>
                                 <a:rPr lang="en-US" altLang="ja-JP" sz="2800" i="1">
                                   <a:solidFill>
-                                    <a:schemeClr val="tx1"/>
+                                    <a:schemeClr val="tx1">
+                                      <a:lumMod val="75000"/>
+                                      <a:lumOff val="25000"/>
+                                    </a:schemeClr>
                                   </a:solidFill>
                                   <a:latin typeface="Cambria Math" panose="02040503050406030204" pitchFamily="18" charset="0"/>
                                   <a:ea typeface="Cambria Math" panose="02040503050406030204" pitchFamily="18" charset="0"/>
@@ -11995,7 +11463,10 @@
                               <m:r>
                                 <a:rPr lang="ja-JP" altLang="en-US" sz="2800" i="1">
                                   <a:solidFill>
-                                    <a:schemeClr val="tx1"/>
+                                    <a:schemeClr val="tx1">
+                                      <a:lumMod val="75000"/>
+                                      <a:lumOff val="25000"/>
+                                    </a:schemeClr>
                                   </a:solidFill>
                                   <a:latin typeface="Cambria Math" panose="02040503050406030204" pitchFamily="18" charset="0"/>
                                   <a:ea typeface="Cambria Math" panose="02040503050406030204" pitchFamily="18" charset="0"/>
@@ -12007,7 +11478,10 @@
                               <m:r>
                                 <a:rPr lang="en-US" altLang="ja-JP" sz="2800" b="0" i="1" smtClean="0">
                                   <a:solidFill>
-                                    <a:schemeClr val="tx1"/>
+                                    <a:schemeClr val="tx1">
+                                      <a:lumMod val="75000"/>
+                                      <a:lumOff val="25000"/>
+                                    </a:schemeClr>
                                   </a:solidFill>
                                   <a:latin typeface="Cambria Math" panose="02040503050406030204" pitchFamily="18" charset="0"/>
                                   <a:ea typeface="Cambria Math" panose="02040503050406030204" pitchFamily="18" charset="0"/>
@@ -12023,7 +11497,10 @@
                           <m:ctrlPr>
                             <a:rPr lang="en-US" altLang="ja-JP" sz="2800" i="1" smtClean="0">
                               <a:solidFill>
-                                <a:schemeClr val="tx1"/>
+                                <a:schemeClr val="tx1">
+                                  <a:lumMod val="75000"/>
+                                  <a:lumOff val="25000"/>
+                                </a:schemeClr>
                               </a:solidFill>
                               <a:latin typeface="Cambria Math" panose="02040503050406030204" pitchFamily="18" charset="0"/>
                               <a:ea typeface="Cambria Math" panose="02040503050406030204" pitchFamily="18" charset="0"/>
@@ -12037,7 +11514,10 @@
                             </m:rPr>
                             <a:rPr lang="en-US" altLang="ja-JP" sz="2800" i="1">
                               <a:solidFill>
-                                <a:schemeClr val="tx1"/>
+                                <a:schemeClr val="tx1">
+                                  <a:lumMod val="75000"/>
+                                  <a:lumOff val="25000"/>
+                                </a:schemeClr>
                               </a:solidFill>
                               <a:latin typeface="Cambria Math" panose="02040503050406030204" pitchFamily="18" charset="0"/>
                               <a:ea typeface="Cambria Math" panose="02040503050406030204" pitchFamily="18" charset="0"/>
@@ -12049,7 +11529,10 @@
                               <m:ctrlPr>
                                 <a:rPr lang="en-US" altLang="ja-JP" sz="2800" i="1">
                                   <a:solidFill>
-                                    <a:schemeClr val="tx1"/>
+                                    <a:schemeClr val="tx1">
+                                      <a:lumMod val="75000"/>
+                                      <a:lumOff val="25000"/>
+                                    </a:schemeClr>
                                   </a:solidFill>
                                   <a:latin typeface="Cambria Math" panose="02040503050406030204" pitchFamily="18" charset="0"/>
                                   <a:ea typeface="Cambria Math" panose="02040503050406030204" pitchFamily="18" charset="0"/>
@@ -12060,7 +11543,10 @@
                               <m:r>
                                 <a:rPr lang="en-US" altLang="ja-JP" sz="2800" i="1">
                                   <a:solidFill>
-                                    <a:schemeClr val="tx1"/>
+                                    <a:schemeClr val="tx1">
+                                      <a:lumMod val="75000"/>
+                                      <a:lumOff val="25000"/>
+                                    </a:schemeClr>
                                   </a:solidFill>
                                   <a:latin typeface="Cambria Math" panose="02040503050406030204" pitchFamily="18" charset="0"/>
                                   <a:ea typeface="Cambria Math" panose="02040503050406030204" pitchFamily="18" charset="0"/>
@@ -12072,7 +11558,10 @@
                               <m:r>
                                 <a:rPr lang="en-US" altLang="ja-JP" sz="2800" b="0" i="1" smtClean="0">
                                   <a:solidFill>
-                                    <a:schemeClr val="tx1"/>
+                                    <a:schemeClr val="tx1">
+                                      <a:lumMod val="75000"/>
+                                      <a:lumOff val="25000"/>
+                                    </a:schemeClr>
                                   </a:solidFill>
                                   <a:latin typeface="Cambria Math" panose="02040503050406030204" pitchFamily="18" charset="0"/>
                                   <a:ea typeface="Cambria Math" panose="02040503050406030204" pitchFamily="18" charset="0"/>
@@ -12084,7 +11573,10 @@
                           <m:r>
                             <a:rPr lang="en-US" altLang="ja-JP" sz="2800" i="1">
                               <a:solidFill>
-                                <a:schemeClr val="tx1"/>
+                                <a:schemeClr val="tx1">
+                                  <a:lumMod val="75000"/>
+                                  <a:lumOff val="25000"/>
+                                </a:schemeClr>
                               </a:solidFill>
                               <a:latin typeface="Cambria Math" panose="02040503050406030204" pitchFamily="18" charset="0"/>
                               <a:ea typeface="Cambria Math" panose="02040503050406030204" pitchFamily="18" charset="0"/>
@@ -12096,7 +11588,10 @@
                               <m:ctrlPr>
                                 <a:rPr lang="en-US" altLang="ja-JP" sz="2800" i="1">
                                   <a:solidFill>
-                                    <a:schemeClr val="tx1"/>
+                                    <a:schemeClr val="tx1">
+                                      <a:lumMod val="75000"/>
+                                      <a:lumOff val="25000"/>
+                                    </a:schemeClr>
                                   </a:solidFill>
                                   <a:latin typeface="Cambria Math" panose="02040503050406030204" pitchFamily="18" charset="0"/>
                                   <a:ea typeface="Cambria Math" panose="02040503050406030204" pitchFamily="18" charset="0"/>
@@ -12107,7 +11602,10 @@
                               <m:r>
                                 <a:rPr lang="ja-JP" altLang="en-US" sz="2800" i="1">
                                   <a:solidFill>
-                                    <a:schemeClr val="tx1"/>
+                                    <a:schemeClr val="tx1">
+                                      <a:lumMod val="75000"/>
+                                      <a:lumOff val="25000"/>
+                                    </a:schemeClr>
                                   </a:solidFill>
                                   <a:latin typeface="Cambria Math" panose="02040503050406030204" pitchFamily="18" charset="0"/>
                                   <a:ea typeface="Cambria Math" panose="02040503050406030204" pitchFamily="18" charset="0"/>
@@ -12119,7 +11617,10 @@
                               <m:r>
                                 <a:rPr lang="en-US" altLang="ja-JP" sz="2800" b="0" i="1" smtClean="0">
                                   <a:solidFill>
-                                    <a:schemeClr val="tx1"/>
+                                    <a:schemeClr val="tx1">
+                                      <a:lumMod val="75000"/>
+                                      <a:lumOff val="25000"/>
+                                    </a:schemeClr>
                                   </a:solidFill>
                                   <a:latin typeface="Cambria Math" panose="02040503050406030204" pitchFamily="18" charset="0"/>
                                   <a:ea typeface="Cambria Math" panose="02040503050406030204" pitchFamily="18" charset="0"/>
@@ -12134,7 +11635,10 @@
                             </m:rPr>
                             <a:rPr lang="en-US" altLang="ja-JP" sz="2800" i="1">
                               <a:solidFill>
-                                <a:schemeClr val="tx1"/>
+                                <a:schemeClr val="tx1">
+                                  <a:lumMod val="75000"/>
+                                  <a:lumOff val="25000"/>
+                                </a:schemeClr>
                               </a:solidFill>
                               <a:latin typeface="Cambria Math" panose="02040503050406030204" pitchFamily="18" charset="0"/>
                               <a:ea typeface="Cambria Math" panose="02040503050406030204" pitchFamily="18" charset="0"/>
@@ -12144,7 +11648,10 @@
                           <m:r>
                             <a:rPr lang="en-US" altLang="ja-JP" sz="2800" i="1">
                               <a:solidFill>
-                                <a:schemeClr val="tx1"/>
+                                <a:schemeClr val="tx1">
+                                  <a:lumMod val="75000"/>
+                                  <a:lumOff val="25000"/>
+                                </a:schemeClr>
                               </a:solidFill>
                               <a:latin typeface="Cambria Math" panose="02040503050406030204" pitchFamily="18" charset="0"/>
                               <a:ea typeface="Cambria Math" panose="02040503050406030204" pitchFamily="18" charset="0"/>
@@ -12156,12 +11663,19 @@
                     </m:oMath>
                   </m:oMathPara>
                 </a14:m>
-                <a:endParaRPr kumimoji="1" lang="ja-JP" altLang="en-US" sz="2800" dirty="0"/>
+                <a:endParaRPr kumimoji="1" lang="ja-JP" altLang="en-US" sz="2800" dirty="0">
+                  <a:solidFill>
+                    <a:schemeClr val="tx1">
+                      <a:lumMod val="75000"/>
+                      <a:lumOff val="25000"/>
+                    </a:schemeClr>
+                  </a:solidFill>
+                </a:endParaRPr>
               </a:p>
             </p:txBody>
           </p:sp>
         </mc:Choice>
-        <mc:Fallback xmlns="">
+        <mc:Fallback>
           <p:sp>
             <p:nvSpPr>
               <p:cNvPr id="2" name="コンテンツ プレースホルダー 1">
@@ -12274,6 +11788,166 @@
           </a:p>
         </p:txBody>
       </p:sp>
+      <mc:AlternateContent xmlns:mc="http://schemas.openxmlformats.org/markup-compatibility/2006">
+        <mc:Choice xmlns:a14="http://schemas.microsoft.com/office/drawing/2010/main" Requires="a14">
+          <p:sp>
+            <p:nvSpPr>
+              <p:cNvPr id="6" name="テキスト ボックス 5">
+                <a:extLst>
+                  <a:ext uri="{FF2B5EF4-FFF2-40B4-BE49-F238E27FC236}">
+                    <a16:creationId xmlns:a16="http://schemas.microsoft.com/office/drawing/2014/main" id="{E1E7BCBB-2B06-4159-ADE8-40133D616AF6}"/>
+                  </a:ext>
+                </a:extLst>
+              </p:cNvPr>
+              <p:cNvSpPr txBox="1"/>
+              <p:nvPr/>
+            </p:nvSpPr>
+            <p:spPr>
+              <a:xfrm>
+                <a:off x="6662058" y="5991959"/>
+                <a:ext cx="4556632" cy="369332"/>
+              </a:xfrm>
+              <a:prstGeom prst="rect">
+                <a:avLst/>
+              </a:prstGeom>
+              <a:noFill/>
+            </p:spPr>
+            <p:txBody>
+              <a:bodyPr wrap="square">
+                <a:spAutoFit/>
+              </a:bodyPr>
+              <a:lstStyle/>
+              <a:p>
+                <a:pPr algn="ctr"/>
+                <a:r>
+                  <a:rPr kumimoji="1" lang="ja-JP" altLang="en-US" dirty="0">
+                    <a:solidFill>
+                      <a:schemeClr val="tx1">
+                        <a:lumMod val="75000"/>
+                        <a:lumOff val="25000"/>
+                      </a:schemeClr>
+                    </a:solidFill>
+                  </a:rPr>
+                  <a:t>（</a:t>
+                </a:r>
+                <a:r>
+                  <a:rPr kumimoji="1" lang="en-US" altLang="ja-JP" dirty="0">
+                    <a:solidFill>
+                      <a:schemeClr val="tx1">
+                        <a:lumMod val="75000"/>
+                        <a:lumOff val="25000"/>
+                      </a:schemeClr>
+                    </a:solidFill>
+                  </a:rPr>
+                  <a:t>※</a:t>
+                </a:r>
+                <a:r>
+                  <a:rPr lang="en-US" altLang="ja-JP" sz="1800" dirty="0">
+                    <a:solidFill>
+                      <a:schemeClr val="tx1">
+                        <a:lumMod val="75000"/>
+                        <a:lumOff val="25000"/>
+                      </a:schemeClr>
+                    </a:solidFill>
+                  </a:rPr>
+                  <a:t> </a:t>
+                </a:r>
+                <a14:m>
+                  <m:oMath xmlns:m="http://schemas.openxmlformats.org/officeDocument/2006/math">
+                    <m:r>
+                      <a:rPr lang="en-US" altLang="ja-JP" sz="1800" i="1">
+                        <a:solidFill>
+                          <a:schemeClr val="tx1">
+                            <a:lumMod val="75000"/>
+                            <a:lumOff val="25000"/>
+                          </a:schemeClr>
+                        </a:solidFill>
+                        <a:latin typeface="Cambria Math" panose="02040503050406030204" pitchFamily="18" charset="0"/>
+                      </a:rPr>
+                      <m:t>𝑅𝐶</m:t>
+                    </m:r>
+                    <m:r>
+                      <a:rPr lang="en-US" altLang="ja-JP" sz="1800" i="1">
+                        <a:solidFill>
+                          <a:schemeClr val="tx1">
+                            <a:lumMod val="75000"/>
+                            <a:lumOff val="25000"/>
+                          </a:schemeClr>
+                        </a:solidFill>
+                        <a:latin typeface="Cambria Math" panose="02040503050406030204" pitchFamily="18" charset="0"/>
+                      </a:rPr>
+                      <m:t> </m:t>
+                    </m:r>
+                  </m:oMath>
+                </a14:m>
+                <a:r>
+                  <a:rPr kumimoji="1" lang="ja-JP" altLang="en-US" dirty="0">
+                    <a:solidFill>
+                      <a:schemeClr val="tx1">
+                        <a:lumMod val="75000"/>
+                        <a:lumOff val="25000"/>
+                      </a:schemeClr>
+                    </a:solidFill>
+                  </a:rPr>
+                  <a:t>は貯留層条件を意味する）</a:t>
+                </a:r>
+                <a:endParaRPr lang="ja-JP" altLang="en-US" dirty="0">
+                  <a:solidFill>
+                    <a:schemeClr val="tx1">
+                      <a:lumMod val="75000"/>
+                      <a:lumOff val="25000"/>
+                    </a:schemeClr>
+                  </a:solidFill>
+                </a:endParaRPr>
+              </a:p>
+            </p:txBody>
+          </p:sp>
+        </mc:Choice>
+        <mc:Fallback>
+          <p:sp>
+            <p:nvSpPr>
+              <p:cNvPr id="6" name="テキスト ボックス 5">
+                <a:extLst>
+                  <a:ext uri="{FF2B5EF4-FFF2-40B4-BE49-F238E27FC236}">
+                    <a16:creationId xmlns:a16="http://schemas.microsoft.com/office/drawing/2014/main" id="{E1E7BCBB-2B06-4159-ADE8-40133D616AF6}"/>
+                  </a:ext>
+                </a:extLst>
+              </p:cNvPr>
+              <p:cNvSpPr txBox="1">
+                <a:spLocks noRot="1" noChangeAspect="1" noMove="1" noResize="1" noEditPoints="1" noAdjustHandles="1" noChangeArrowheads="1" noChangeShapeType="1" noTextEdit="1"/>
+              </p:cNvSpPr>
+              <p:nvPr/>
+            </p:nvSpPr>
+            <p:spPr>
+              <a:xfrm>
+                <a:off x="6662058" y="5991959"/>
+                <a:ext cx="4556632" cy="369332"/>
+              </a:xfrm>
+              <a:prstGeom prst="rect">
+                <a:avLst/>
+              </a:prstGeom>
+              <a:blipFill>
+                <a:blip r:embed="rId3"/>
+                <a:stretch>
+                  <a:fillRect t="-9836" b="-24590"/>
+                </a:stretch>
+              </a:blipFill>
+            </p:spPr>
+            <p:txBody>
+              <a:bodyPr/>
+              <a:lstStyle/>
+              <a:p>
+                <a:r>
+                  <a:rPr lang="ja-JP" altLang="en-US">
+                    <a:noFill/>
+                  </a:rPr>
+                  <a:t> </a:t>
+                </a:r>
+              </a:p>
+            </p:txBody>
+          </p:sp>
+        </mc:Fallback>
+      </mc:AlternateContent>
     </p:spTree>
     <p:extLst>
       <p:ext uri="{BB962C8B-B14F-4D97-AF65-F5344CB8AC3E}">
@@ -13279,8 +12953,8 @@
           <a:chExt cx="0" cy="0"/>
         </a:xfrm>
       </p:grpSpPr>
-      <mc:AlternateContent xmlns:mc="http://schemas.openxmlformats.org/markup-compatibility/2006">
-        <mc:Choice xmlns:a14="http://schemas.microsoft.com/office/drawing/2010/main" Requires="a14">
+      <mc:AlternateContent xmlns:mc="http://schemas.openxmlformats.org/markup-compatibility/2006" xmlns:a14="http://schemas.microsoft.com/office/drawing/2010/main">
+        <mc:Choice Requires="a14">
           <p:sp>
             <p:nvSpPr>
               <p:cNvPr id="2" name="コンテンツ プレースホルダー 1">
@@ -13685,7 +13359,7 @@
             </p:txBody>
           </p:sp>
         </mc:Choice>
-        <mc:Fallback>
+        <mc:Fallback xmlns="">
           <p:sp>
             <p:nvSpPr>
               <p:cNvPr id="2" name="コンテンツ プレースホルダー 1">
@@ -15835,7 +15509,7 @@
         </p:nvSpPr>
         <p:spPr>
           <a:xfrm>
-            <a:off x="2299771" y="5056621"/>
+            <a:off x="2299771" y="3756171"/>
             <a:ext cx="3762375" cy="939558"/>
           </a:xfrm>
           <a:prstGeom prst="rect">
@@ -15990,7 +15664,7 @@
         </p:nvSpPr>
         <p:spPr>
           <a:xfrm>
-            <a:off x="3346724" y="3756171"/>
+            <a:off x="3346724" y="5056622"/>
             <a:ext cx="1662371" cy="939558"/>
           </a:xfrm>
           <a:prstGeom prst="rect">
